--- a/Simulación de Arquitecturas de Computadoras.pptx
+++ b/Simulación de Arquitecturas de Computadoras.pptx
@@ -141,7 +141,7 @@
       </p:grpSpPr>
       <p:sp>
         <p:nvSpPr>
-          <p:cNvPr id="2" name="Header Placeholder 1"/>
+          <p:cNvPr id="170050089" name="Header Placeholder 1"/>
           <p:cNvSpPr>
             <a:spLocks noGrp="1"/>
           </p:cNvSpPr>
@@ -175,7 +175,7 @@
       </p:sp>
       <p:sp>
         <p:nvSpPr>
-          <p:cNvPr id="3" name="Date Placeholder 2"/>
+          <p:cNvPr id="1697637718" name="Date Placeholder 2"/>
           <p:cNvSpPr>
             <a:spLocks noGrp="1"/>
           </p:cNvSpPr>
@@ -209,7 +209,7 @@
       </p:sp>
       <p:sp>
         <p:nvSpPr>
-          <p:cNvPr id="3" name="Date Placeholder 2"/>
+          <p:cNvPr id="1010930706" name="Date Placeholder 2"/>
           <p:cNvSpPr>
             <a:spLocks noGrp="1"/>
           </p:cNvSpPr>
@@ -243,7 +243,7 @@
       </p:sp>
       <p:sp>
         <p:nvSpPr>
-          <p:cNvPr id="5" name="Notes Placeholder 4"/>
+          <p:cNvPr id="2095849582" name="Notes Placeholder 4"/>
           <p:cNvSpPr>
             <a:spLocks noGrp="1"/>
           </p:cNvSpPr>
@@ -273,7 +273,7 @@
       </p:sp>
       <p:sp>
         <p:nvSpPr>
-          <p:cNvPr id="6" name="Footer Placeholder 5"/>
+          <p:cNvPr id="2078399469" name="Footer Placeholder 5"/>
           <p:cNvSpPr>
             <a:spLocks noGrp="1"/>
           </p:cNvSpPr>
@@ -307,7 +307,7 @@
       </p:sp>
       <p:sp>
         <p:nvSpPr>
-          <p:cNvPr id="7" name="Slide Number Placeholder 6"/>
+          <p:cNvPr id="1929044420" name="Slide Number Placeholder 6"/>
           <p:cNvSpPr>
             <a:spLocks noGrp="1"/>
           </p:cNvSpPr>
@@ -456,7 +456,7 @@
       </p:grpSpPr>
       <p:sp>
         <p:nvSpPr>
-          <p:cNvPr id="2" name="Slide Image Placeholder 1"/>
+          <p:cNvPr id="244699271" name="Slide Image Placeholder 1"/>
           <p:cNvSpPr>
             <a:spLocks noChangeAspect="1" noGrp="1" noRot="1"/>
           </p:cNvSpPr>
@@ -468,7 +468,7 @@
       </p:sp>
       <p:sp>
         <p:nvSpPr>
-          <p:cNvPr id="3" name="Notes Placeholder 2"/>
+          <p:cNvPr id="46318885" name="Notes Placeholder 2"/>
           <p:cNvSpPr>
             <a:spLocks noGrp="1"/>
           </p:cNvSpPr>
@@ -490,7 +490,7 @@
       </p:sp>
       <p:sp>
         <p:nvSpPr>
-          <p:cNvPr id="4" name="Slide Number Placeholder 3"/>
+          <p:cNvPr id="1883410304" name="Slide Number Placeholder 3"/>
           <p:cNvSpPr>
             <a:spLocks noGrp="1"/>
           </p:cNvSpPr>
@@ -541,7 +541,7 @@
       </p:grpSpPr>
       <p:sp>
         <p:nvSpPr>
-          <p:cNvPr id="2" name="Slide Image Placeholder 1"/>
+          <p:cNvPr id="1853100019" name="Slide Image Placeholder 1"/>
           <p:cNvSpPr>
             <a:spLocks noChangeAspect="1" noGrp="1" noRot="1"/>
           </p:cNvSpPr>
@@ -553,7 +553,7 @@
       </p:sp>
       <p:sp>
         <p:nvSpPr>
-          <p:cNvPr id="3" name="Notes Placeholder 2"/>
+          <p:cNvPr id="152366806" name="Notes Placeholder 2"/>
           <p:cNvSpPr>
             <a:spLocks noGrp="1"/>
           </p:cNvSpPr>
@@ -575,7 +575,7 @@
       </p:sp>
       <p:sp>
         <p:nvSpPr>
-          <p:cNvPr id="4" name="Slide Number Placeholder 3"/>
+          <p:cNvPr id="1533842823" name="Slide Number Placeholder 3"/>
           <p:cNvSpPr>
             <a:spLocks noGrp="1"/>
           </p:cNvSpPr>
@@ -626,7 +626,7 @@
       </p:grpSpPr>
       <p:sp>
         <p:nvSpPr>
-          <p:cNvPr id="2" name="Slide Image Placeholder 1"/>
+          <p:cNvPr id="215359057" name="Slide Image Placeholder 1"/>
           <p:cNvSpPr>
             <a:spLocks noChangeAspect="1" noGrp="1" noRot="1"/>
           </p:cNvSpPr>
@@ -638,7 +638,7 @@
       </p:sp>
       <p:sp>
         <p:nvSpPr>
-          <p:cNvPr id="3" name="Notes Placeholder 2"/>
+          <p:cNvPr id="1202766231" name="Notes Placeholder 2"/>
           <p:cNvSpPr>
             <a:spLocks noGrp="1"/>
           </p:cNvSpPr>
@@ -660,7 +660,7 @@
       </p:sp>
       <p:sp>
         <p:nvSpPr>
-          <p:cNvPr id="4" name="Slide Number Placeholder 3"/>
+          <p:cNvPr id="144114673" name="Slide Number Placeholder 3"/>
           <p:cNvSpPr>
             <a:spLocks noGrp="1"/>
           </p:cNvSpPr>
@@ -711,7 +711,7 @@
       </p:grpSpPr>
       <p:sp>
         <p:nvSpPr>
-          <p:cNvPr id="2" name="Slide Image Placeholder 1"/>
+          <p:cNvPr id="1295040008" name="Slide Image Placeholder 1"/>
           <p:cNvSpPr>
             <a:spLocks noChangeAspect="1" noGrp="1" noRot="1"/>
           </p:cNvSpPr>
@@ -723,7 +723,7 @@
       </p:sp>
       <p:sp>
         <p:nvSpPr>
-          <p:cNvPr id="3" name="Notes Placeholder 2"/>
+          <p:cNvPr id="381891436" name="Notes Placeholder 2"/>
           <p:cNvSpPr>
             <a:spLocks noGrp="1"/>
           </p:cNvSpPr>
@@ -745,7 +745,7 @@
       </p:sp>
       <p:sp>
         <p:nvSpPr>
-          <p:cNvPr id="4" name="Slide Number Placeholder 3"/>
+          <p:cNvPr id="1468128788" name="Slide Number Placeholder 3"/>
           <p:cNvSpPr>
             <a:spLocks noGrp="1"/>
           </p:cNvSpPr>
@@ -796,7 +796,7 @@
       </p:grpSpPr>
       <p:sp>
         <p:nvSpPr>
-          <p:cNvPr id="2" name="Slide Image Placeholder 1"/>
+          <p:cNvPr id="1778747266" name="Slide Image Placeholder 1"/>
           <p:cNvSpPr>
             <a:spLocks noChangeAspect="1" noGrp="1" noRot="1"/>
           </p:cNvSpPr>
@@ -808,7 +808,7 @@
       </p:sp>
       <p:sp>
         <p:nvSpPr>
-          <p:cNvPr id="3" name="Notes Placeholder 2"/>
+          <p:cNvPr id="2068001656" name="Notes Placeholder 2"/>
           <p:cNvSpPr>
             <a:spLocks noGrp="1"/>
           </p:cNvSpPr>
@@ -830,7 +830,7 @@
       </p:sp>
       <p:sp>
         <p:nvSpPr>
-          <p:cNvPr id="4" name="Slide Number Placeholder 3"/>
+          <p:cNvPr id="103347005" name="Slide Number Placeholder 3"/>
           <p:cNvSpPr>
             <a:spLocks noGrp="1"/>
           </p:cNvSpPr>
@@ -881,7 +881,7 @@
       </p:grpSpPr>
       <p:sp>
         <p:nvSpPr>
-          <p:cNvPr id="2" name="Slide Image Placeholder 1"/>
+          <p:cNvPr id="1413558865" name="Slide Image Placeholder 1"/>
           <p:cNvSpPr>
             <a:spLocks noChangeAspect="1" noGrp="1" noRot="1"/>
           </p:cNvSpPr>
@@ -893,7 +893,7 @@
       </p:sp>
       <p:sp>
         <p:nvSpPr>
-          <p:cNvPr id="3" name="Notes Placeholder 2"/>
+          <p:cNvPr id="1171567533" name="Notes Placeholder 2"/>
           <p:cNvSpPr>
             <a:spLocks noGrp="1"/>
           </p:cNvSpPr>
@@ -915,7 +915,7 @@
       </p:sp>
       <p:sp>
         <p:nvSpPr>
-          <p:cNvPr id="4" name="Slide Number Placeholder 3"/>
+          <p:cNvPr id="1266326986" name="Slide Number Placeholder 3"/>
           <p:cNvSpPr>
             <a:spLocks noGrp="1"/>
           </p:cNvSpPr>
@@ -966,7 +966,7 @@
       </p:grpSpPr>
       <p:sp>
         <p:nvSpPr>
-          <p:cNvPr id="2" name="Slide Image Placeholder 1"/>
+          <p:cNvPr id="211769986" name="Slide Image Placeholder 1"/>
           <p:cNvSpPr>
             <a:spLocks noChangeAspect="1" noGrp="1" noRot="1"/>
           </p:cNvSpPr>
@@ -978,7 +978,7 @@
       </p:sp>
       <p:sp>
         <p:nvSpPr>
-          <p:cNvPr id="3" name="Notes Placeholder 2"/>
+          <p:cNvPr id="100717627" name="Notes Placeholder 2"/>
           <p:cNvSpPr>
             <a:spLocks noGrp="1"/>
           </p:cNvSpPr>
@@ -1000,7 +1000,7 @@
       </p:sp>
       <p:sp>
         <p:nvSpPr>
-          <p:cNvPr id="4" name="Slide Number Placeholder 3"/>
+          <p:cNvPr id="1649917894" name="Slide Number Placeholder 3"/>
           <p:cNvSpPr>
             <a:spLocks noGrp="1"/>
           </p:cNvSpPr>
@@ -1051,7 +1051,7 @@
       </p:grpSpPr>
       <p:sp>
         <p:nvSpPr>
-          <p:cNvPr id="97127408" name="Slide Image Placeholder 1"/>
+          <p:cNvPr id="482383332" name="Slide Image Placeholder 1"/>
           <p:cNvSpPr>
             <a:spLocks noChangeAspect="1" noGrp="1" noRot="1"/>
           </p:cNvSpPr>
@@ -1063,7 +1063,7 @@
       </p:sp>
       <p:sp>
         <p:nvSpPr>
-          <p:cNvPr id="1335636526" name="Notes Placeholder 2"/>
+          <p:cNvPr id="312333048" name="Notes Placeholder 2"/>
           <p:cNvSpPr>
             <a:spLocks noGrp="1"/>
           </p:cNvSpPr>
@@ -1085,7 +1085,7 @@
       </p:sp>
       <p:sp>
         <p:nvSpPr>
-          <p:cNvPr id="1149615452" name="Slide Number Placeholder 3"/>
+          <p:cNvPr id="533446463" name="Slide Number Placeholder 3"/>
           <p:cNvSpPr>
             <a:spLocks noGrp="1"/>
           </p:cNvSpPr>
@@ -1136,7 +1136,7 @@
       </p:grpSpPr>
       <p:sp>
         <p:nvSpPr>
-          <p:cNvPr id="1687493705" name="Title 1"/>
+          <p:cNvPr id="426888659" name="Title 1"/>
           <p:cNvSpPr>
             <a:spLocks noGrp="1"/>
           </p:cNvSpPr>
@@ -1167,7 +1167,7 @@
       </p:sp>
       <p:sp>
         <p:nvSpPr>
-          <p:cNvPr id="933400410" name="Subtitle 2"/>
+          <p:cNvPr id="26846877" name="Subtitle 2"/>
           <p:cNvSpPr>
             <a:spLocks noGrp="1"/>
           </p:cNvSpPr>
@@ -1289,7 +1289,7 @@
       </p:sp>
       <p:sp>
         <p:nvSpPr>
-          <p:cNvPr id="669543577" name="Date Placeholder 3"/>
+          <p:cNvPr id="1833741354" name="Date Placeholder 3"/>
           <p:cNvSpPr>
             <a:spLocks noGrp="1"/>
           </p:cNvSpPr>
@@ -1315,7 +1315,7 @@
       </p:sp>
       <p:sp>
         <p:nvSpPr>
-          <p:cNvPr id="1074834793" name="Footer Placeholder 4"/>
+          <p:cNvPr id="276023749" name="Footer Placeholder 4"/>
           <p:cNvSpPr>
             <a:spLocks noGrp="1"/>
           </p:cNvSpPr>
@@ -1337,7 +1337,7 @@
       </p:sp>
       <p:sp>
         <p:nvSpPr>
-          <p:cNvPr id="876852795" name="Slide Number Placeholder 5"/>
+          <p:cNvPr id="1653512472" name="Slide Number Placeholder 5"/>
           <p:cNvSpPr>
             <a:spLocks noGrp="1"/>
           </p:cNvSpPr>
@@ -1388,7 +1388,7 @@
       </p:grpSpPr>
       <p:sp>
         <p:nvSpPr>
-          <p:cNvPr id="1583603352" name="Title 1"/>
+          <p:cNvPr id="1094225937" name="Title 1"/>
           <p:cNvSpPr>
             <a:spLocks noGrp="1"/>
           </p:cNvSpPr>
@@ -1414,7 +1414,7 @@
       </p:sp>
       <p:sp>
         <p:nvSpPr>
-          <p:cNvPr id="1398423414" name="Vertical Text Placeholder 2"/>
+          <p:cNvPr id="1210211945" name="Vertical Text Placeholder 2"/>
           <p:cNvSpPr>
             <a:spLocks noGrp="1"/>
           </p:cNvSpPr>
@@ -1480,7 +1480,7 @@
       </p:sp>
       <p:sp>
         <p:nvSpPr>
-          <p:cNvPr id="243014238" name="Date Placeholder 3"/>
+          <p:cNvPr id="1911150942" name="Date Placeholder 3"/>
           <p:cNvSpPr>
             <a:spLocks noGrp="1"/>
           </p:cNvSpPr>
@@ -1506,7 +1506,7 @@
       </p:sp>
       <p:sp>
         <p:nvSpPr>
-          <p:cNvPr id="2053889560" name="Footer Placeholder 4"/>
+          <p:cNvPr id="605187704" name="Footer Placeholder 4"/>
           <p:cNvSpPr>
             <a:spLocks noGrp="1"/>
           </p:cNvSpPr>
@@ -1528,7 +1528,7 @@
       </p:sp>
       <p:sp>
         <p:nvSpPr>
-          <p:cNvPr id="2123508864" name="Slide Number Placeholder 5"/>
+          <p:cNvPr id="1429068490" name="Slide Number Placeholder 5"/>
           <p:cNvSpPr>
             <a:spLocks noGrp="1"/>
           </p:cNvSpPr>
@@ -1579,7 +1579,7 @@
       </p:grpSpPr>
       <p:sp>
         <p:nvSpPr>
-          <p:cNvPr id="1471198512" name="Vertical Title 1"/>
+          <p:cNvPr id="209309658" name="Vertical Title 1"/>
           <p:cNvSpPr>
             <a:spLocks noGrp="1"/>
           </p:cNvSpPr>
@@ -1610,7 +1610,7 @@
       </p:sp>
       <p:sp>
         <p:nvSpPr>
-          <p:cNvPr id="465669526" name="Vertical Text Placeholder 2"/>
+          <p:cNvPr id="1416959990" name="Vertical Text Placeholder 2"/>
           <p:cNvSpPr>
             <a:spLocks noGrp="1"/>
           </p:cNvSpPr>
@@ -1681,7 +1681,7 @@
       </p:sp>
       <p:sp>
         <p:nvSpPr>
-          <p:cNvPr id="1251316229" name="Date Placeholder 3"/>
+          <p:cNvPr id="950737381" name="Date Placeholder 3"/>
           <p:cNvSpPr>
             <a:spLocks noGrp="1"/>
           </p:cNvSpPr>
@@ -1707,7 +1707,7 @@
       </p:sp>
       <p:sp>
         <p:nvSpPr>
-          <p:cNvPr id="373991405" name="Footer Placeholder 4"/>
+          <p:cNvPr id="196704491" name="Footer Placeholder 4"/>
           <p:cNvSpPr>
             <a:spLocks noGrp="1"/>
           </p:cNvSpPr>
@@ -1729,7 +1729,7 @@
       </p:sp>
       <p:sp>
         <p:nvSpPr>
-          <p:cNvPr id="51524533" name="Slide Number Placeholder 5"/>
+          <p:cNvPr id="634073529" name="Slide Number Placeholder 5"/>
           <p:cNvSpPr>
             <a:spLocks noGrp="1"/>
           </p:cNvSpPr>
@@ -1780,7 +1780,7 @@
       </p:grpSpPr>
       <p:sp>
         <p:nvSpPr>
-          <p:cNvPr id="565442699" name="Title 1"/>
+          <p:cNvPr id="1787114565" name="Title 1"/>
           <p:cNvSpPr>
             <a:spLocks noGrp="1"/>
           </p:cNvSpPr>
@@ -1806,7 +1806,7 @@
       </p:sp>
       <p:sp>
         <p:nvSpPr>
-          <p:cNvPr id="491026676" name="Content Placeholder 2"/>
+          <p:cNvPr id="1806357992" name="Content Placeholder 2"/>
           <p:cNvSpPr>
             <a:spLocks noGrp="1"/>
           </p:cNvSpPr>
@@ -1872,7 +1872,7 @@
       </p:sp>
       <p:sp>
         <p:nvSpPr>
-          <p:cNvPr id="371201112" name="Date Placeholder 3"/>
+          <p:cNvPr id="1456847328" name="Date Placeholder 3"/>
           <p:cNvSpPr>
             <a:spLocks noGrp="1"/>
           </p:cNvSpPr>
@@ -1898,7 +1898,7 @@
       </p:sp>
       <p:sp>
         <p:nvSpPr>
-          <p:cNvPr id="1931401675" name="Footer Placeholder 4"/>
+          <p:cNvPr id="1011349242" name="Footer Placeholder 4"/>
           <p:cNvSpPr>
             <a:spLocks noGrp="1"/>
           </p:cNvSpPr>
@@ -1920,7 +1920,7 @@
       </p:sp>
       <p:sp>
         <p:nvSpPr>
-          <p:cNvPr id="1507822125" name="Slide Number Placeholder 5"/>
+          <p:cNvPr id="1420166015" name="Slide Number Placeholder 5"/>
           <p:cNvSpPr>
             <a:spLocks noGrp="1"/>
           </p:cNvSpPr>
@@ -1971,7 +1971,7 @@
       </p:grpSpPr>
       <p:sp>
         <p:nvSpPr>
-          <p:cNvPr id="1579637049" name="Title 1"/>
+          <p:cNvPr id="1640691623" name="Title 1"/>
           <p:cNvSpPr>
             <a:spLocks noGrp="1"/>
           </p:cNvSpPr>
@@ -2006,7 +2006,7 @@
       </p:sp>
       <p:sp>
         <p:nvSpPr>
-          <p:cNvPr id="2084294010" name="Text Placeholder 2"/>
+          <p:cNvPr id="196277610" name="Text Placeholder 2"/>
           <p:cNvSpPr>
             <a:spLocks noGrp="1"/>
           </p:cNvSpPr>
@@ -2128,7 +2128,7 @@
       </p:sp>
       <p:sp>
         <p:nvSpPr>
-          <p:cNvPr id="1804722468" name="Date Placeholder 3"/>
+          <p:cNvPr id="183432239" name="Date Placeholder 3"/>
           <p:cNvSpPr>
             <a:spLocks noGrp="1"/>
           </p:cNvSpPr>
@@ -2154,7 +2154,7 @@
       </p:sp>
       <p:sp>
         <p:nvSpPr>
-          <p:cNvPr id="1395064791" name="Footer Placeholder 4"/>
+          <p:cNvPr id="1435808725" name="Footer Placeholder 4"/>
           <p:cNvSpPr>
             <a:spLocks noGrp="1"/>
           </p:cNvSpPr>
@@ -2176,7 +2176,7 @@
       </p:sp>
       <p:sp>
         <p:nvSpPr>
-          <p:cNvPr id="1426272857" name="Slide Number Placeholder 5"/>
+          <p:cNvPr id="683901758" name="Slide Number Placeholder 5"/>
           <p:cNvSpPr>
             <a:spLocks noGrp="1"/>
           </p:cNvSpPr>
@@ -2227,7 +2227,7 @@
       </p:grpSpPr>
       <p:sp>
         <p:nvSpPr>
-          <p:cNvPr id="793930632" name="Title 1"/>
+          <p:cNvPr id="2030286191" name="Title 1"/>
           <p:cNvSpPr>
             <a:spLocks noGrp="1"/>
           </p:cNvSpPr>
@@ -2253,7 +2253,7 @@
       </p:sp>
       <p:sp>
         <p:nvSpPr>
-          <p:cNvPr id="571149399" name="Content Placeholder 2"/>
+          <p:cNvPr id="936578304" name="Content Placeholder 2"/>
           <p:cNvSpPr>
             <a:spLocks noGrp="1"/>
           </p:cNvSpPr>
@@ -2352,7 +2352,7 @@
       </p:sp>
       <p:sp>
         <p:nvSpPr>
-          <p:cNvPr id="737490014" name="Content Placeholder 3"/>
+          <p:cNvPr id="1384156436" name="Content Placeholder 3"/>
           <p:cNvSpPr>
             <a:spLocks noGrp="1"/>
           </p:cNvSpPr>
@@ -2451,7 +2451,7 @@
       </p:sp>
       <p:sp>
         <p:nvSpPr>
-          <p:cNvPr id="600265207" name="Date Placeholder 4"/>
+          <p:cNvPr id="1153152327" name="Date Placeholder 4"/>
           <p:cNvSpPr>
             <a:spLocks noGrp="1"/>
           </p:cNvSpPr>
@@ -2477,7 +2477,7 @@
       </p:sp>
       <p:sp>
         <p:nvSpPr>
-          <p:cNvPr id="1956296322" name="Footer Placeholder 5"/>
+          <p:cNvPr id="1663788918" name="Footer Placeholder 5"/>
           <p:cNvSpPr>
             <a:spLocks noGrp="1"/>
           </p:cNvSpPr>
@@ -2499,7 +2499,7 @@
       </p:sp>
       <p:sp>
         <p:nvSpPr>
-          <p:cNvPr id="1944310350" name="Slide Number Placeholder 6"/>
+          <p:cNvPr id="1482783488" name="Slide Number Placeholder 6"/>
           <p:cNvSpPr>
             <a:spLocks noGrp="1"/>
           </p:cNvSpPr>
@@ -2550,7 +2550,7 @@
       </p:grpSpPr>
       <p:sp>
         <p:nvSpPr>
-          <p:cNvPr id="944921299" name="Title 1"/>
+          <p:cNvPr id="1861824115" name="Title 1"/>
           <p:cNvSpPr>
             <a:spLocks noGrp="1"/>
           </p:cNvSpPr>
@@ -2580,7 +2580,7 @@
       </p:sp>
       <p:sp>
         <p:nvSpPr>
-          <p:cNvPr id="1178764718" name="Text Placeholder 2"/>
+          <p:cNvPr id="565449879" name="Text Placeholder 2"/>
           <p:cNvSpPr>
             <a:spLocks noGrp="1"/>
           </p:cNvSpPr>
@@ -2648,7 +2648,7 @@
       </p:sp>
       <p:sp>
         <p:nvSpPr>
-          <p:cNvPr id="1640060547" name="Content Placeholder 3"/>
+          <p:cNvPr id="432436219" name="Content Placeholder 3"/>
           <p:cNvSpPr>
             <a:spLocks noGrp="1"/>
           </p:cNvSpPr>
@@ -2747,7 +2747,7 @@
       </p:sp>
       <p:sp>
         <p:nvSpPr>
-          <p:cNvPr id="2047267063" name="Text Placeholder 4"/>
+          <p:cNvPr id="1677977748" name="Text Placeholder 4"/>
           <p:cNvSpPr>
             <a:spLocks noGrp="1"/>
           </p:cNvSpPr>
@@ -2815,7 +2815,7 @@
       </p:sp>
       <p:sp>
         <p:nvSpPr>
-          <p:cNvPr id="2026328812" name="Content Placeholder 5"/>
+          <p:cNvPr id="1214769178" name="Content Placeholder 5"/>
           <p:cNvSpPr>
             <a:spLocks noGrp="1"/>
           </p:cNvSpPr>
@@ -2914,7 +2914,7 @@
       </p:sp>
       <p:sp>
         <p:nvSpPr>
-          <p:cNvPr id="1503549995" name="Date Placeholder 6"/>
+          <p:cNvPr id="1036968294" name="Date Placeholder 6"/>
           <p:cNvSpPr>
             <a:spLocks noGrp="1"/>
           </p:cNvSpPr>
@@ -2940,7 +2940,7 @@
       </p:sp>
       <p:sp>
         <p:nvSpPr>
-          <p:cNvPr id="928450799" name="Footer Placeholder 7"/>
+          <p:cNvPr id="1446238927" name="Footer Placeholder 7"/>
           <p:cNvSpPr>
             <a:spLocks noGrp="1"/>
           </p:cNvSpPr>
@@ -2962,7 +2962,7 @@
       </p:sp>
       <p:sp>
         <p:nvSpPr>
-          <p:cNvPr id="1801252248" name="Slide Number Placeholder 8"/>
+          <p:cNvPr id="883681901" name="Slide Number Placeholder 8"/>
           <p:cNvSpPr>
             <a:spLocks noGrp="1"/>
           </p:cNvSpPr>
@@ -3013,7 +3013,7 @@
       </p:grpSpPr>
       <p:sp>
         <p:nvSpPr>
-          <p:cNvPr id="1786288990" name="Title 1"/>
+          <p:cNvPr id="434907866" name="Title 1"/>
           <p:cNvSpPr>
             <a:spLocks noGrp="1"/>
           </p:cNvSpPr>
@@ -3039,7 +3039,7 @@
       </p:sp>
       <p:sp>
         <p:nvSpPr>
-          <p:cNvPr id="1813815456" name="Date Placeholder 2"/>
+          <p:cNvPr id="1412623733" name="Date Placeholder 2"/>
           <p:cNvSpPr>
             <a:spLocks noGrp="1"/>
           </p:cNvSpPr>
@@ -3065,7 +3065,7 @@
       </p:sp>
       <p:sp>
         <p:nvSpPr>
-          <p:cNvPr id="2092393877" name="Footer Placeholder 3"/>
+          <p:cNvPr id="338491578" name="Footer Placeholder 3"/>
           <p:cNvSpPr>
             <a:spLocks noGrp="1"/>
           </p:cNvSpPr>
@@ -3087,7 +3087,7 @@
       </p:sp>
       <p:sp>
         <p:nvSpPr>
-          <p:cNvPr id="2129951376" name="Slide Number Placeholder 4"/>
+          <p:cNvPr id="47435740" name="Slide Number Placeholder 4"/>
           <p:cNvSpPr>
             <a:spLocks noGrp="1"/>
           </p:cNvSpPr>
@@ -3138,7 +3138,7 @@
       </p:grpSpPr>
       <p:sp>
         <p:nvSpPr>
-          <p:cNvPr id="843269733" name="Date Placeholder 1"/>
+          <p:cNvPr id="869303126" name="Date Placeholder 1"/>
           <p:cNvSpPr>
             <a:spLocks noGrp="1"/>
           </p:cNvSpPr>
@@ -3164,7 +3164,7 @@
       </p:sp>
       <p:sp>
         <p:nvSpPr>
-          <p:cNvPr id="1302567598" name="Footer Placeholder 2"/>
+          <p:cNvPr id="284599868" name="Footer Placeholder 2"/>
           <p:cNvSpPr>
             <a:spLocks noGrp="1"/>
           </p:cNvSpPr>
@@ -3186,7 +3186,7 @@
       </p:sp>
       <p:sp>
         <p:nvSpPr>
-          <p:cNvPr id="427450863" name="Slide Number Placeholder 3"/>
+          <p:cNvPr id="417684942" name="Slide Number Placeholder 3"/>
           <p:cNvSpPr>
             <a:spLocks noGrp="1"/>
           </p:cNvSpPr>
@@ -3237,7 +3237,7 @@
       </p:grpSpPr>
       <p:sp>
         <p:nvSpPr>
-          <p:cNvPr id="596622972" name="Title 1"/>
+          <p:cNvPr id="1558429412" name="Title 1"/>
           <p:cNvSpPr>
             <a:spLocks noGrp="1"/>
           </p:cNvSpPr>
@@ -3272,7 +3272,7 @@
       </p:sp>
       <p:sp>
         <p:nvSpPr>
-          <p:cNvPr id="1460830565" name="Content Placeholder 2"/>
+          <p:cNvPr id="1147038982" name="Content Placeholder 2"/>
           <p:cNvSpPr>
             <a:spLocks noGrp="1"/>
           </p:cNvSpPr>
@@ -3371,7 +3371,7 @@
       </p:sp>
       <p:sp>
         <p:nvSpPr>
-          <p:cNvPr id="469403072" name="Text Placeholder 3"/>
+          <p:cNvPr id="1393258142" name="Text Placeholder 3"/>
           <p:cNvSpPr>
             <a:spLocks noGrp="1"/>
           </p:cNvSpPr>
@@ -3439,7 +3439,7 @@
       </p:sp>
       <p:sp>
         <p:nvSpPr>
-          <p:cNvPr id="1401893094" name="Date Placeholder 4"/>
+          <p:cNvPr id="1347191774" name="Date Placeholder 4"/>
           <p:cNvSpPr>
             <a:spLocks noGrp="1"/>
           </p:cNvSpPr>
@@ -3465,7 +3465,7 @@
       </p:sp>
       <p:sp>
         <p:nvSpPr>
-          <p:cNvPr id="1023703321" name="Footer Placeholder 5"/>
+          <p:cNvPr id="1248487743" name="Footer Placeholder 5"/>
           <p:cNvSpPr>
             <a:spLocks noGrp="1"/>
           </p:cNvSpPr>
@@ -3487,7 +3487,7 @@
       </p:sp>
       <p:sp>
         <p:nvSpPr>
-          <p:cNvPr id="419605596" name="Slide Number Placeholder 6"/>
+          <p:cNvPr id="671079014" name="Slide Number Placeholder 6"/>
           <p:cNvSpPr>
             <a:spLocks noGrp="1"/>
           </p:cNvSpPr>
@@ -3538,7 +3538,7 @@
       </p:grpSpPr>
       <p:sp>
         <p:nvSpPr>
-          <p:cNvPr id="1981499597" name="Title 1"/>
+          <p:cNvPr id="528163187" name="Title 1"/>
           <p:cNvSpPr>
             <a:spLocks noGrp="1"/>
           </p:cNvSpPr>
@@ -3573,7 +3573,7 @@
       </p:sp>
       <p:sp>
         <p:nvSpPr>
-          <p:cNvPr id="585349130" name="Picture Placeholder 2"/>
+          <p:cNvPr id="995879157" name="Picture Placeholder 2"/>
           <p:cNvSpPr>
             <a:spLocks noGrp="1"/>
           </p:cNvSpPr>
@@ -3637,7 +3637,7 @@
       </p:sp>
       <p:sp>
         <p:nvSpPr>
-          <p:cNvPr id="2072680898" name="Text Placeholder 3"/>
+          <p:cNvPr id="1956803588" name="Text Placeholder 3"/>
           <p:cNvSpPr>
             <a:spLocks noGrp="1"/>
           </p:cNvSpPr>
@@ -3705,7 +3705,7 @@
       </p:sp>
       <p:sp>
         <p:nvSpPr>
-          <p:cNvPr id="786876535" name="Date Placeholder 4"/>
+          <p:cNvPr id="706181503" name="Date Placeholder 4"/>
           <p:cNvSpPr>
             <a:spLocks noGrp="1"/>
           </p:cNvSpPr>
@@ -3731,7 +3731,7 @@
       </p:sp>
       <p:sp>
         <p:nvSpPr>
-          <p:cNvPr id="1559550680" name="Footer Placeholder 5"/>
+          <p:cNvPr id="1613733948" name="Footer Placeholder 5"/>
           <p:cNvSpPr>
             <a:spLocks noGrp="1"/>
           </p:cNvSpPr>
@@ -3753,7 +3753,7 @@
       </p:sp>
       <p:sp>
         <p:nvSpPr>
-          <p:cNvPr id="850437240" name="Slide Number Placeholder 6"/>
+          <p:cNvPr id="237733676" name="Slide Number Placeholder 6"/>
           <p:cNvSpPr>
             <a:spLocks noGrp="1"/>
           </p:cNvSpPr>
@@ -3809,7 +3809,7 @@
       </p:grpSpPr>
       <p:sp>
         <p:nvSpPr>
-          <p:cNvPr id="1214088396" name="Title Placeholder 1"/>
+          <p:cNvPr id="214499621" name="Title Placeholder 1"/>
           <p:cNvSpPr>
             <a:spLocks noGrp="1"/>
           </p:cNvSpPr>
@@ -3845,7 +3845,7 @@
       </p:sp>
       <p:sp>
         <p:nvSpPr>
-          <p:cNvPr id="788740751" name="Text Placeholder 2"/>
+          <p:cNvPr id="1984454442" name="Text Placeholder 2"/>
           <p:cNvSpPr>
             <a:spLocks noGrp="1"/>
           </p:cNvSpPr>
@@ -3921,7 +3921,7 @@
       </p:sp>
       <p:sp>
         <p:nvSpPr>
-          <p:cNvPr id="186110952" name="Date Placeholder 3"/>
+          <p:cNvPr id="677247226" name="Date Placeholder 3"/>
           <p:cNvSpPr>
             <a:spLocks noGrp="1"/>
           </p:cNvSpPr>
@@ -3965,7 +3965,7 @@
       </p:sp>
       <p:sp>
         <p:nvSpPr>
-          <p:cNvPr id="889041228" name="Footer Placeholder 4"/>
+          <p:cNvPr id="2087580293" name="Footer Placeholder 4"/>
           <p:cNvSpPr>
             <a:spLocks noGrp="1"/>
           </p:cNvSpPr>
@@ -4005,7 +4005,7 @@
       </p:sp>
       <p:sp>
         <p:nvSpPr>
-          <p:cNvPr id="872023123" name="Slide Number Placeholder 5"/>
+          <p:cNvPr id="1557229992" name="Slide Number Placeholder 5"/>
           <p:cNvSpPr>
             <a:spLocks noGrp="1"/>
           </p:cNvSpPr>
@@ -4343,7 +4343,7 @@
       </p:grpSpPr>
       <p:sp>
         <p:nvSpPr>
-          <p:cNvPr id="437451695" name="Rectangle 1"/>
+          <p:cNvPr id="1145272151" name="Rectangle 1"/>
           <p:cNvSpPr/>
           <p:nvPr/>
         </p:nvSpPr>
@@ -4401,7 +4401,7 @@
       </p:sp>
       <p:sp>
         <p:nvSpPr>
-          <p:cNvPr id="1587580959" name="TextBox 2"/>
+          <p:cNvPr id="640073486" name="TextBox 2"/>
           <p:cNvSpPr txBox="1"/>
           <p:nvPr/>
         </p:nvSpPr>
@@ -4447,7 +4447,7 @@
       </p:sp>
       <p:sp>
         <p:nvSpPr>
-          <p:cNvPr id="915689140" name="Rectangle 3"/>
+          <p:cNvPr id="642347624" name="Rectangle 3"/>
           <p:cNvSpPr/>
           <p:nvPr/>
         </p:nvSpPr>
@@ -4493,7 +4493,7 @@
       </p:sp>
       <p:sp>
         <p:nvSpPr>
-          <p:cNvPr id="1116654952" name="TextBox 4"/>
+          <p:cNvPr id="1085872652" name="TextBox 4"/>
           <p:cNvSpPr txBox="1"/>
           <p:nvPr/>
         </p:nvSpPr>
@@ -4536,7 +4536,7 @@
       </p:sp>
       <p:sp>
         <p:nvSpPr>
-          <p:cNvPr id="521341019" name="TextBox 5"/>
+          <p:cNvPr id="2135958473" name="TextBox 5"/>
           <p:cNvSpPr txBox="1"/>
           <p:nvPr/>
         </p:nvSpPr>
@@ -4651,14 +4651,14 @@
       </p:sp>
       <p:sp>
         <p:nvSpPr>
-          <p:cNvPr id="1461106892" name="TextBox 4"/>
+          <p:cNvPr id="393652741" name="TextBox 4"/>
           <p:cNvSpPr txBox="1"/>
           <p:nvPr/>
         </p:nvSpPr>
         <p:spPr bwMode="auto">
           <a:xfrm>
             <a:off x="2196031" y="5144269"/>
-            <a:ext cx="8143670" cy="361548"/>
+            <a:ext cx="8143669" cy="361548"/>
           </a:xfrm>
           <a:prstGeom prst="rect">
             <a:avLst/>
@@ -4742,7 +4742,7 @@
       </p:grpSpPr>
       <p:sp>
         <p:nvSpPr>
-          <p:cNvPr id="1764930578" name="TextBox 1"/>
+          <p:cNvPr id="1243121507" name="TextBox 1"/>
           <p:cNvSpPr txBox="1"/>
           <p:nvPr/>
         </p:nvSpPr>
@@ -4785,7 +4785,7 @@
       </p:sp>
       <p:sp>
         <p:nvSpPr>
-          <p:cNvPr id="1050036274" name="Rectangle 2"/>
+          <p:cNvPr id="2113779354" name="Rectangle 2"/>
           <p:cNvSpPr/>
           <p:nvPr/>
         </p:nvSpPr>
@@ -4831,7 +4831,7 @@
       </p:sp>
       <p:sp>
         <p:nvSpPr>
-          <p:cNvPr id="900305352" name="TextBox 3"/>
+          <p:cNvPr id="1961843439" name="TextBox 3"/>
           <p:cNvSpPr txBox="1"/>
           <p:nvPr/>
         </p:nvSpPr>
@@ -4893,7 +4893,7 @@
       </p:sp>
       <p:sp>
         <p:nvSpPr>
-          <p:cNvPr id="1350871109" name="TextBox 4"/>
+          <p:cNvPr id="887781948" name="TextBox 4"/>
           <p:cNvSpPr txBox="1"/>
           <p:nvPr/>
         </p:nvSpPr>
@@ -4936,7 +4936,7 @@
       </p:sp>
       <p:pic>
         <p:nvPicPr>
-          <p:cNvPr id="1101277864" name="Picture 5" descr="image.png"/>
+          <p:cNvPr id="720238327" name="Picture 5" descr="image.png"/>
           <p:cNvPicPr>
             <a:picLocks noChangeAspect="1"/>
           </p:cNvPicPr>
@@ -4960,7 +4960,7 @@
       </p:pic>
       <p:sp>
         <p:nvSpPr>
-          <p:cNvPr id="1440988867" name="TextBox 6"/>
+          <p:cNvPr id="1259030656" name="TextBox 6"/>
           <p:cNvSpPr txBox="1"/>
           <p:nvPr/>
         </p:nvSpPr>
@@ -5003,7 +5003,7 @@
       </p:sp>
       <p:pic>
         <p:nvPicPr>
-          <p:cNvPr id="1336663980" name="Picture 7" descr="image.png"/>
+          <p:cNvPr id="733739623" name="Picture 7" descr="image.png"/>
           <p:cNvPicPr>
             <a:picLocks noChangeAspect="1"/>
           </p:cNvPicPr>
@@ -5027,7 +5027,7 @@
       </p:pic>
       <p:sp>
         <p:nvSpPr>
-          <p:cNvPr id="1881102643" name="TextBox 8"/>
+          <p:cNvPr id="481919477" name="TextBox 8"/>
           <p:cNvSpPr txBox="1"/>
           <p:nvPr/>
         </p:nvSpPr>
@@ -5070,7 +5070,7 @@
       </p:sp>
       <p:pic>
         <p:nvPicPr>
-          <p:cNvPr id="1071012811" name="Picture 9" descr="image.png"/>
+          <p:cNvPr id="26756810" name="Picture 9" descr="image.png"/>
           <p:cNvPicPr>
             <a:picLocks noChangeAspect="1"/>
           </p:cNvPicPr>
@@ -5094,7 +5094,7 @@
       </p:pic>
       <p:sp>
         <p:nvSpPr>
-          <p:cNvPr id="1955655273" name="TextBox 10"/>
+          <p:cNvPr id="1115916091" name="TextBox 10"/>
           <p:cNvSpPr txBox="1"/>
           <p:nvPr/>
         </p:nvSpPr>
@@ -5137,7 +5137,7 @@
       </p:sp>
       <p:pic>
         <p:nvPicPr>
-          <p:cNvPr id="630064559" name="Picture 11" descr="image.png"/>
+          <p:cNvPr id="104124503" name="Picture 11" descr="image.png"/>
           <p:cNvPicPr>
             <a:picLocks noChangeAspect="1"/>
           </p:cNvPicPr>
@@ -5161,7 +5161,7 @@
       </p:pic>
       <p:sp>
         <p:nvSpPr>
-          <p:cNvPr id="1746313780" name="TextBox 12"/>
+          <p:cNvPr id="854090497" name="TextBox 12"/>
           <p:cNvSpPr txBox="1"/>
           <p:nvPr/>
         </p:nvSpPr>
@@ -5204,7 +5204,7 @@
       </p:sp>
       <p:pic>
         <p:nvPicPr>
-          <p:cNvPr id="1265247831" name="Picture 13" descr="image.png"/>
+          <p:cNvPr id="728067896" name="Picture 13" descr="image.png"/>
           <p:cNvPicPr>
             <a:picLocks noChangeAspect="1"/>
           </p:cNvPicPr>
@@ -5228,7 +5228,7 @@
       </p:pic>
       <p:sp>
         <p:nvSpPr>
-          <p:cNvPr id="1189745151" name="TextBox 14"/>
+          <p:cNvPr id="127744351" name="TextBox 14"/>
           <p:cNvSpPr txBox="1"/>
           <p:nvPr/>
         </p:nvSpPr>
@@ -5271,7 +5271,7 @@
       </p:sp>
       <p:pic>
         <p:nvPicPr>
-          <p:cNvPr id="173163045" name="Picture 15" descr="image.png"/>
+          <p:cNvPr id="396877403" name="Picture 15" descr="image.png"/>
           <p:cNvPicPr>
             <a:picLocks noChangeAspect="1"/>
           </p:cNvPicPr>
@@ -5295,7 +5295,7 @@
       </p:pic>
       <p:sp>
         <p:nvSpPr>
-          <p:cNvPr id="2110990206" name="TextBox 16"/>
+          <p:cNvPr id="148782536" name="TextBox 16"/>
           <p:cNvSpPr txBox="1"/>
           <p:nvPr/>
         </p:nvSpPr>
@@ -5338,7 +5338,7 @@
       </p:sp>
       <p:sp>
         <p:nvSpPr>
-          <p:cNvPr id="294476109" name="Rounded Rectangle 17"/>
+          <p:cNvPr id="2134824667" name="Rounded Rectangle 17"/>
           <p:cNvSpPr/>
           <p:nvPr/>
         </p:nvSpPr>
@@ -5435,7 +5435,7 @@
       </p:grpSpPr>
       <p:sp>
         <p:nvSpPr>
-          <p:cNvPr id="528025668" name="TextBox 1"/>
+          <p:cNvPr id="285038122" name="TextBox 1"/>
           <p:cNvSpPr txBox="1"/>
           <p:nvPr/>
         </p:nvSpPr>
@@ -5478,7 +5478,7 @@
       </p:sp>
       <p:sp>
         <p:nvSpPr>
-          <p:cNvPr id="430148409" name="Rectangle 2"/>
+          <p:cNvPr id="1139884532" name="Rectangle 2"/>
           <p:cNvSpPr/>
           <p:nvPr/>
         </p:nvSpPr>
@@ -5524,7 +5524,7 @@
       </p:sp>
       <p:sp>
         <p:nvSpPr>
-          <p:cNvPr id="1995813428" name="Rounded Rectangle 3"/>
+          <p:cNvPr id="243487259" name="Rounded Rectangle 3"/>
           <p:cNvSpPr/>
           <p:nvPr/>
         </p:nvSpPr>
@@ -5574,7 +5574,7 @@
       </p:sp>
       <p:sp>
         <p:nvSpPr>
-          <p:cNvPr id="2040574931" name="TextBox 4"/>
+          <p:cNvPr id="1853769058" name="TextBox 4"/>
           <p:cNvSpPr txBox="1"/>
           <p:nvPr/>
         </p:nvSpPr>
@@ -5629,7 +5629,7 @@
       </p:sp>
       <p:pic>
         <p:nvPicPr>
-          <p:cNvPr id="374859716" name="Picture 5" descr="image.png"/>
+          <p:cNvPr id="79054423" name="Picture 5" descr="image.png"/>
           <p:cNvPicPr>
             <a:picLocks noChangeAspect="1"/>
           </p:cNvPicPr>
@@ -5653,7 +5653,7 @@
       </p:pic>
       <p:sp>
         <p:nvSpPr>
-          <p:cNvPr id="686366552" name="TextBox 6"/>
+          <p:cNvPr id="1788136236" name="TextBox 6"/>
           <p:cNvSpPr txBox="1"/>
           <p:nvPr/>
         </p:nvSpPr>
@@ -5696,7 +5696,7 @@
       </p:sp>
       <p:pic>
         <p:nvPicPr>
-          <p:cNvPr id="302602058" name="Picture 7" descr="image.png"/>
+          <p:cNvPr id="114096857" name="Picture 7" descr="image.png"/>
           <p:cNvPicPr>
             <a:picLocks noChangeAspect="1"/>
           </p:cNvPicPr>
@@ -5720,7 +5720,7 @@
       </p:pic>
       <p:sp>
         <p:nvSpPr>
-          <p:cNvPr id="1551014942" name="TextBox 8"/>
+          <p:cNvPr id="419910562" name="TextBox 8"/>
           <p:cNvSpPr txBox="1"/>
           <p:nvPr/>
         </p:nvSpPr>
@@ -5771,7 +5771,7 @@
       </p:sp>
       <p:pic>
         <p:nvPicPr>
-          <p:cNvPr id="1393955345" name="Picture 9" descr="image.png"/>
+          <p:cNvPr id="897240144" name="Picture 9" descr="image.png"/>
           <p:cNvPicPr>
             <a:picLocks noChangeAspect="1"/>
           </p:cNvPicPr>
@@ -5795,7 +5795,7 @@
       </p:pic>
       <p:sp>
         <p:nvSpPr>
-          <p:cNvPr id="767682729" name="TextBox 10"/>
+          <p:cNvPr id="1952461712" name="TextBox 10"/>
           <p:cNvSpPr txBox="1"/>
           <p:nvPr/>
         </p:nvSpPr>
@@ -5846,7 +5846,7 @@
       </p:sp>
       <p:pic>
         <p:nvPicPr>
-          <p:cNvPr id="1373734865" name="Picture 11" descr="image.png"/>
+          <p:cNvPr id="1113492532" name="Picture 11" descr="image.png"/>
           <p:cNvPicPr>
             <a:picLocks noChangeAspect="1"/>
           </p:cNvPicPr>
@@ -5870,7 +5870,7 @@
       </p:pic>
       <p:sp>
         <p:nvSpPr>
-          <p:cNvPr id="1289843337" name="TextBox 12"/>
+          <p:cNvPr id="1066469278" name="TextBox 12"/>
           <p:cNvSpPr txBox="1"/>
           <p:nvPr/>
         </p:nvSpPr>
@@ -5921,7 +5921,7 @@
       </p:sp>
       <p:pic>
         <p:nvPicPr>
-          <p:cNvPr id="1233825226" name="Picture 13" descr="image.png"/>
+          <p:cNvPr id="523832103" name="Picture 13" descr="image.png"/>
           <p:cNvPicPr>
             <a:picLocks noChangeAspect="1"/>
           </p:cNvPicPr>
@@ -5945,7 +5945,7 @@
       </p:pic>
       <p:sp>
         <p:nvSpPr>
-          <p:cNvPr id="58176823" name="TextBox 14"/>
+          <p:cNvPr id="1467743339" name="TextBox 14"/>
           <p:cNvSpPr txBox="1"/>
           <p:nvPr/>
         </p:nvSpPr>
@@ -5996,7 +5996,7 @@
       </p:sp>
       <p:pic>
         <p:nvPicPr>
-          <p:cNvPr id="459057048" name="Picture 15" descr="image.png"/>
+          <p:cNvPr id="113753613" name="Picture 15" descr="image.png"/>
           <p:cNvPicPr>
             <a:picLocks noChangeAspect="1"/>
           </p:cNvPicPr>
@@ -6020,7 +6020,7 @@
       </p:pic>
       <p:sp>
         <p:nvSpPr>
-          <p:cNvPr id="138586743" name="TextBox 16"/>
+          <p:cNvPr id="1395477763" name="TextBox 16"/>
           <p:cNvSpPr txBox="1"/>
           <p:nvPr/>
         </p:nvSpPr>
@@ -6071,7 +6071,7 @@
       </p:sp>
       <p:sp>
         <p:nvSpPr>
-          <p:cNvPr id="889749294" name="TextBox 17"/>
+          <p:cNvPr id="121421406" name="TextBox 17"/>
           <p:cNvSpPr txBox="1"/>
           <p:nvPr/>
         </p:nvSpPr>
@@ -6114,7 +6114,7 @@
       </p:sp>
       <p:pic>
         <p:nvPicPr>
-          <p:cNvPr id="688917497" name="Picture 18" descr="image.png"/>
+          <p:cNvPr id="1409129542" name="Picture 18" descr="image.png"/>
           <p:cNvPicPr>
             <a:picLocks noChangeAspect="1"/>
           </p:cNvPicPr>
@@ -6138,7 +6138,7 @@
       </p:pic>
       <p:sp>
         <p:nvSpPr>
-          <p:cNvPr id="1811536195" name="TextBox 19"/>
+          <p:cNvPr id="3381433" name="TextBox 19"/>
           <p:cNvSpPr txBox="1"/>
           <p:nvPr/>
         </p:nvSpPr>
@@ -6189,7 +6189,7 @@
       </p:sp>
       <p:pic>
         <p:nvPicPr>
-          <p:cNvPr id="1473910505" name="Picture 20" descr="image.png"/>
+          <p:cNvPr id="647124300" name="Picture 20" descr="image.png"/>
           <p:cNvPicPr>
             <a:picLocks noChangeAspect="1"/>
           </p:cNvPicPr>
@@ -6213,7 +6213,7 @@
       </p:pic>
       <p:sp>
         <p:nvSpPr>
-          <p:cNvPr id="2118473967" name="TextBox 21"/>
+          <p:cNvPr id="1862666933" name="TextBox 21"/>
           <p:cNvSpPr txBox="1"/>
           <p:nvPr/>
         </p:nvSpPr>
@@ -6264,7 +6264,7 @@
       </p:sp>
       <p:pic>
         <p:nvPicPr>
-          <p:cNvPr id="68667409" name="Picture 22" descr="image.png"/>
+          <p:cNvPr id="1030469666" name="Picture 22" descr="image.png"/>
           <p:cNvPicPr>
             <a:picLocks noChangeAspect="1"/>
           </p:cNvPicPr>
@@ -6288,7 +6288,7 @@
       </p:pic>
       <p:sp>
         <p:nvSpPr>
-          <p:cNvPr id="684334899" name="TextBox 23"/>
+          <p:cNvPr id="1348830586" name="TextBox 23"/>
           <p:cNvSpPr txBox="1"/>
           <p:nvPr/>
         </p:nvSpPr>
@@ -6339,7 +6339,7 @@
       </p:sp>
       <p:pic>
         <p:nvPicPr>
-          <p:cNvPr id="2002759368" name="Picture 24" descr="image.png"/>
+          <p:cNvPr id="2007188942" name="Picture 24" descr="image.png"/>
           <p:cNvPicPr>
             <a:picLocks noChangeAspect="1"/>
           </p:cNvPicPr>
@@ -6363,7 +6363,7 @@
       </p:pic>
       <p:sp>
         <p:nvSpPr>
-          <p:cNvPr id="1351539464" name="TextBox 25"/>
+          <p:cNvPr id="1551515088" name="TextBox 25"/>
           <p:cNvSpPr txBox="1"/>
           <p:nvPr/>
         </p:nvSpPr>
@@ -6414,7 +6414,7 @@
       </p:sp>
       <p:sp>
         <p:nvSpPr>
-          <p:cNvPr id="317490256" name="Rounded Rectangle 26"/>
+          <p:cNvPr id="1604749856" name="Rounded Rectangle 26"/>
           <p:cNvSpPr/>
           <p:nvPr/>
         </p:nvSpPr>
@@ -6464,7 +6464,7 @@
       </p:sp>
       <p:sp>
         <p:nvSpPr>
-          <p:cNvPr id="1259578429" name="TextBox 27"/>
+          <p:cNvPr id="1333619877" name="TextBox 27"/>
           <p:cNvSpPr txBox="1"/>
           <p:nvPr/>
         </p:nvSpPr>
@@ -6507,7 +6507,7 @@
       </p:sp>
       <p:sp>
         <p:nvSpPr>
-          <p:cNvPr id="276292704" name="TextBox 28"/>
+          <p:cNvPr id="1795829356" name="TextBox 28"/>
           <p:cNvSpPr txBox="1"/>
           <p:nvPr/>
         </p:nvSpPr>
@@ -6550,7 +6550,7 @@
       </p:sp>
       <p:sp>
         <p:nvSpPr>
-          <p:cNvPr id="955782760" name="TextBox 29"/>
+          <p:cNvPr id="1305244364" name="TextBox 29"/>
           <p:cNvSpPr txBox="1"/>
           <p:nvPr/>
         </p:nvSpPr>
@@ -6593,7 +6593,7 @@
       </p:sp>
       <p:sp>
         <p:nvSpPr>
-          <p:cNvPr id="290222811" name="Rounded Rectangle 30"/>
+          <p:cNvPr id="926237559" name="Rounded Rectangle 30"/>
           <p:cNvSpPr/>
           <p:nvPr/>
         </p:nvSpPr>
@@ -6643,7 +6643,7 @@
       </p:sp>
       <p:sp>
         <p:nvSpPr>
-          <p:cNvPr id="761849311" name="TextBox 31"/>
+          <p:cNvPr id="594319731" name="TextBox 31"/>
           <p:cNvSpPr txBox="1"/>
           <p:nvPr/>
         </p:nvSpPr>
@@ -6698,7 +6698,7 @@
       </p:sp>
       <p:pic>
         <p:nvPicPr>
-          <p:cNvPr id="2083100360" name="Picture 32" descr="image.png"/>
+          <p:cNvPr id="1614706019" name="Picture 32" descr="image.png"/>
           <p:cNvPicPr>
             <a:picLocks noChangeAspect="1"/>
           </p:cNvPicPr>
@@ -6722,7 +6722,7 @@
       </p:pic>
       <p:sp>
         <p:nvSpPr>
-          <p:cNvPr id="1836632605" name="TextBox 33"/>
+          <p:cNvPr id="115124017" name="TextBox 33"/>
           <p:cNvSpPr txBox="1"/>
           <p:nvPr/>
         </p:nvSpPr>
@@ -6765,7 +6765,7 @@
       </p:sp>
       <p:pic>
         <p:nvPicPr>
-          <p:cNvPr id="246364318" name="Picture 34" descr="image.png"/>
+          <p:cNvPr id="520483103" name="Picture 34" descr="image.png"/>
           <p:cNvPicPr>
             <a:picLocks noChangeAspect="1"/>
           </p:cNvPicPr>
@@ -6789,7 +6789,7 @@
       </p:pic>
       <p:sp>
         <p:nvSpPr>
-          <p:cNvPr id="1582871143" name="TextBox 35"/>
+          <p:cNvPr id="294494197" name="TextBox 35"/>
           <p:cNvSpPr txBox="1"/>
           <p:nvPr/>
         </p:nvSpPr>
@@ -6840,7 +6840,7 @@
       </p:sp>
       <p:pic>
         <p:nvPicPr>
-          <p:cNvPr id="523534401" name="Picture 36" descr="image.png"/>
+          <p:cNvPr id="1916958566" name="Picture 36" descr="image.png"/>
           <p:cNvPicPr>
             <a:picLocks noChangeAspect="1"/>
           </p:cNvPicPr>
@@ -6864,7 +6864,7 @@
       </p:pic>
       <p:sp>
         <p:nvSpPr>
-          <p:cNvPr id="998696919" name="TextBox 37"/>
+          <p:cNvPr id="135995448" name="TextBox 37"/>
           <p:cNvSpPr txBox="1"/>
           <p:nvPr/>
         </p:nvSpPr>
@@ -6915,7 +6915,7 @@
       </p:sp>
       <p:pic>
         <p:nvPicPr>
-          <p:cNvPr id="807499541" name="Picture 38" descr="image.png"/>
+          <p:cNvPr id="438141562" name="Picture 38" descr="image.png"/>
           <p:cNvPicPr>
             <a:picLocks noChangeAspect="1"/>
           </p:cNvPicPr>
@@ -6939,7 +6939,7 @@
       </p:pic>
       <p:sp>
         <p:nvSpPr>
-          <p:cNvPr id="34238182" name="TextBox 39"/>
+          <p:cNvPr id="1950591632" name="TextBox 39"/>
           <p:cNvSpPr txBox="1"/>
           <p:nvPr/>
         </p:nvSpPr>
@@ -6990,7 +6990,7 @@
       </p:sp>
       <p:pic>
         <p:nvPicPr>
-          <p:cNvPr id="167411751" name="Picture 40" descr="image.png"/>
+          <p:cNvPr id="1001336109" name="Picture 40" descr="image.png"/>
           <p:cNvPicPr>
             <a:picLocks noChangeAspect="1"/>
           </p:cNvPicPr>
@@ -7014,7 +7014,7 @@
       </p:pic>
       <p:sp>
         <p:nvSpPr>
-          <p:cNvPr id="1340343328" name="TextBox 41"/>
+          <p:cNvPr id="947814532" name="TextBox 41"/>
           <p:cNvSpPr txBox="1"/>
           <p:nvPr/>
         </p:nvSpPr>
@@ -7065,7 +7065,7 @@
       </p:sp>
       <p:pic>
         <p:nvPicPr>
-          <p:cNvPr id="1371246622" name="Picture 42" descr="image.png"/>
+          <p:cNvPr id="194012819" name="Picture 42" descr="image.png"/>
           <p:cNvPicPr>
             <a:picLocks noChangeAspect="1"/>
           </p:cNvPicPr>
@@ -7089,7 +7089,7 @@
       </p:pic>
       <p:sp>
         <p:nvSpPr>
-          <p:cNvPr id="1384014130" name="TextBox 43"/>
+          <p:cNvPr id="1416648803" name="TextBox 43"/>
           <p:cNvSpPr txBox="1"/>
           <p:nvPr/>
         </p:nvSpPr>
@@ -7140,7 +7140,7 @@
       </p:sp>
       <p:sp>
         <p:nvSpPr>
-          <p:cNvPr id="258574523" name="TextBox 44"/>
+          <p:cNvPr id="39846509" name="TextBox 44"/>
           <p:cNvSpPr txBox="1"/>
           <p:nvPr/>
         </p:nvSpPr>
@@ -7183,7 +7183,7 @@
       </p:sp>
       <p:pic>
         <p:nvPicPr>
-          <p:cNvPr id="471002001" name="Picture 45" descr="image.png"/>
+          <p:cNvPr id="1595702478" name="Picture 45" descr="image.png"/>
           <p:cNvPicPr>
             <a:picLocks noChangeAspect="1"/>
           </p:cNvPicPr>
@@ -7207,7 +7207,7 @@
       </p:pic>
       <p:sp>
         <p:nvSpPr>
-          <p:cNvPr id="2108604224" name="TextBox 46"/>
+          <p:cNvPr id="1631682060" name="TextBox 46"/>
           <p:cNvSpPr txBox="1"/>
           <p:nvPr/>
         </p:nvSpPr>
@@ -7258,7 +7258,7 @@
       </p:sp>
       <p:pic>
         <p:nvPicPr>
-          <p:cNvPr id="1135110119" name="Picture 47" descr="image.png"/>
+          <p:cNvPr id="1177569698" name="Picture 47" descr="image.png"/>
           <p:cNvPicPr>
             <a:picLocks noChangeAspect="1"/>
           </p:cNvPicPr>
@@ -7282,7 +7282,7 @@
       </p:pic>
       <p:sp>
         <p:nvSpPr>
-          <p:cNvPr id="110771069" name="TextBox 48"/>
+          <p:cNvPr id="1684809153" name="TextBox 48"/>
           <p:cNvSpPr txBox="1"/>
           <p:nvPr/>
         </p:nvSpPr>
@@ -7333,7 +7333,7 @@
       </p:sp>
       <p:pic>
         <p:nvPicPr>
-          <p:cNvPr id="487549773" name="Picture 49" descr="image.png"/>
+          <p:cNvPr id="1139804730" name="Picture 49" descr="image.png"/>
           <p:cNvPicPr>
             <a:picLocks noChangeAspect="1"/>
           </p:cNvPicPr>
@@ -7357,7 +7357,7 @@
       </p:pic>
       <p:sp>
         <p:nvSpPr>
-          <p:cNvPr id="615263400" name="TextBox 50"/>
+          <p:cNvPr id="1573071962" name="TextBox 50"/>
           <p:cNvSpPr txBox="1"/>
           <p:nvPr/>
         </p:nvSpPr>
@@ -7408,7 +7408,7 @@
       </p:sp>
       <p:pic>
         <p:nvPicPr>
-          <p:cNvPr id="137185777" name="Picture 51" descr="image.png"/>
+          <p:cNvPr id="935413901" name="Picture 51" descr="image.png"/>
           <p:cNvPicPr>
             <a:picLocks noChangeAspect="1"/>
           </p:cNvPicPr>
@@ -7432,7 +7432,7 @@
       </p:pic>
       <p:sp>
         <p:nvSpPr>
-          <p:cNvPr id="95303605" name="TextBox 52"/>
+          <p:cNvPr id="644226512" name="TextBox 52"/>
           <p:cNvSpPr txBox="1"/>
           <p:nvPr/>
         </p:nvSpPr>
@@ -7483,7 +7483,7 @@
       </p:sp>
       <p:sp>
         <p:nvSpPr>
-          <p:cNvPr id="1999462091" name="Rounded Rectangle 53"/>
+          <p:cNvPr id="1243380280" name="Rounded Rectangle 53"/>
           <p:cNvSpPr/>
           <p:nvPr/>
         </p:nvSpPr>
@@ -7533,7 +7533,7 @@
       </p:sp>
       <p:sp>
         <p:nvSpPr>
-          <p:cNvPr id="285406706" name="TextBox 54"/>
+          <p:cNvPr id="855663128" name="TextBox 54"/>
           <p:cNvSpPr txBox="1"/>
           <p:nvPr/>
         </p:nvSpPr>
@@ -7576,7 +7576,7 @@
       </p:sp>
       <p:sp>
         <p:nvSpPr>
-          <p:cNvPr id="1237661000" name="TextBox 55"/>
+          <p:cNvPr id="320092306" name="TextBox 55"/>
           <p:cNvSpPr txBox="1"/>
           <p:nvPr/>
         </p:nvSpPr>
@@ -7619,7 +7619,7 @@
       </p:sp>
       <p:sp>
         <p:nvSpPr>
-          <p:cNvPr id="1240734177" name="TextBox 56"/>
+          <p:cNvPr id="1881826412" name="TextBox 56"/>
           <p:cNvSpPr txBox="1"/>
           <p:nvPr/>
         </p:nvSpPr>
@@ -7710,7 +7710,7 @@
       </p:grpSpPr>
       <p:sp>
         <p:nvSpPr>
-          <p:cNvPr id="991023120" name="TextBox 1"/>
+          <p:cNvPr id="1061670241" name="TextBox 1"/>
           <p:cNvSpPr txBox="1"/>
           <p:nvPr/>
         </p:nvSpPr>
@@ -7753,7 +7753,7 @@
       </p:sp>
       <p:sp>
         <p:nvSpPr>
-          <p:cNvPr id="654980714" name="Rectangle 2"/>
+          <p:cNvPr id="1917300442" name="Rectangle 2"/>
           <p:cNvSpPr/>
           <p:nvPr/>
         </p:nvSpPr>
@@ -7799,7 +7799,7 @@
       </p:sp>
       <p:sp>
         <p:nvSpPr>
-          <p:cNvPr id="1154297614" name="Rounded Rectangle 3"/>
+          <p:cNvPr id="207490206" name="Rounded Rectangle 3"/>
           <p:cNvSpPr/>
           <p:nvPr/>
         </p:nvSpPr>
@@ -7849,7 +7849,7 @@
       </p:sp>
       <p:sp>
         <p:nvSpPr>
-          <p:cNvPr id="912073916" name="TextBox 4"/>
+          <p:cNvPr id="309279237" name="TextBox 4"/>
           <p:cNvSpPr txBox="1"/>
           <p:nvPr/>
         </p:nvSpPr>
@@ -7904,7 +7904,7 @@
       </p:sp>
       <p:pic>
         <p:nvPicPr>
-          <p:cNvPr id="420584024" name="Picture 5" descr="image.png"/>
+          <p:cNvPr id="1639854014" name="Picture 5" descr="image.png"/>
           <p:cNvPicPr>
             <a:picLocks noChangeAspect="1"/>
           </p:cNvPicPr>
@@ -7928,7 +7928,7 @@
       </p:pic>
       <p:sp>
         <p:nvSpPr>
-          <p:cNvPr id="1965531546" name="Rounded Rectangle 6"/>
+          <p:cNvPr id="518555005" name="Rounded Rectangle 6"/>
           <p:cNvSpPr/>
           <p:nvPr/>
         </p:nvSpPr>
@@ -7978,12 +7978,12 @@
       </p:sp>
       <p:sp>
         <p:nvSpPr>
-          <p:cNvPr id="1400533012" name="Round Same Side Corner Rectangle 7"/>
+          <p:cNvPr id="1860127144" name="Round Same Side Corner Rectangle 7"/>
           <p:cNvSpPr/>
           <p:nvPr/>
         </p:nvSpPr>
         <p:spPr bwMode="auto">
-          <a:xfrm rot="16199999">
+          <a:xfrm rot="16199998">
             <a:off x="144756" y="2147569"/>
             <a:ext cx="1619250" cy="99060"/>
           </a:xfrm>
@@ -8027,7 +8027,7 @@
       </p:sp>
       <p:sp>
         <p:nvSpPr>
-          <p:cNvPr id="1053803387" name="TextBox 8"/>
+          <p:cNvPr id="192984459" name="TextBox 8"/>
           <p:cNvSpPr txBox="1"/>
           <p:nvPr/>
         </p:nvSpPr>
@@ -8070,7 +8070,7 @@
       </p:sp>
       <p:sp>
         <p:nvSpPr>
-          <p:cNvPr id="1181841069" name="TextBox 9"/>
+          <p:cNvPr id="757474080" name="TextBox 9"/>
           <p:cNvSpPr txBox="1"/>
           <p:nvPr/>
         </p:nvSpPr>
@@ -8113,7 +8113,7 @@
       </p:sp>
       <p:sp>
         <p:nvSpPr>
-          <p:cNvPr id="1053385966" name="Rounded Rectangle 10"/>
+          <p:cNvPr id="1790192816" name="Rounded Rectangle 10"/>
           <p:cNvSpPr/>
           <p:nvPr/>
         </p:nvSpPr>
@@ -8163,7 +8163,7 @@
       </p:sp>
       <p:sp>
         <p:nvSpPr>
-          <p:cNvPr id="308637144" name="TextBox 11"/>
+          <p:cNvPr id="623427149" name="TextBox 11"/>
           <p:cNvSpPr txBox="1"/>
           <p:nvPr/>
         </p:nvSpPr>
@@ -8210,7 +8210,7 @@
       </p:sp>
       <p:pic>
         <p:nvPicPr>
-          <p:cNvPr id="1936277116" name="Picture 12" descr="image.png"/>
+          <p:cNvPr id="2052198672" name="Picture 12" descr="image.png"/>
           <p:cNvPicPr>
             <a:picLocks noChangeAspect="1"/>
           </p:cNvPicPr>
@@ -8234,7 +8234,7 @@
       </p:pic>
       <p:sp>
         <p:nvSpPr>
-          <p:cNvPr id="2032511159" name="Rounded Rectangle 13"/>
+          <p:cNvPr id="1501320056" name="Rounded Rectangle 13"/>
           <p:cNvSpPr/>
           <p:nvPr/>
         </p:nvSpPr>
@@ -8284,7 +8284,7 @@
       </p:sp>
       <p:sp>
         <p:nvSpPr>
-          <p:cNvPr id="623432705" name="TextBox 14"/>
+          <p:cNvPr id="2122479452" name="TextBox 14"/>
           <p:cNvSpPr txBox="1"/>
           <p:nvPr/>
         </p:nvSpPr>
@@ -8331,7 +8331,7 @@
       </p:sp>
       <p:pic>
         <p:nvPicPr>
-          <p:cNvPr id="790803531" name="Picture 15" descr="image.png"/>
+          <p:cNvPr id="287071176" name="Picture 15" descr="image.png"/>
           <p:cNvPicPr>
             <a:picLocks noChangeAspect="1"/>
           </p:cNvPicPr>
@@ -8355,7 +8355,7 @@
       </p:pic>
       <p:sp>
         <p:nvSpPr>
-          <p:cNvPr id="1797387513" name="Rounded Rectangle 16"/>
+          <p:cNvPr id="1632141371" name="Rounded Rectangle 16"/>
           <p:cNvSpPr/>
           <p:nvPr/>
         </p:nvSpPr>
@@ -8405,7 +8405,7 @@
       </p:sp>
       <p:sp>
         <p:nvSpPr>
-          <p:cNvPr id="512143608" name="TextBox 17"/>
+          <p:cNvPr id="1874739053" name="TextBox 17"/>
           <p:cNvSpPr txBox="1"/>
           <p:nvPr/>
         </p:nvSpPr>
@@ -8452,7 +8452,7 @@
       </p:sp>
       <p:pic>
         <p:nvPicPr>
-          <p:cNvPr id="1739980047" name="Picture 18" descr="image.png"/>
+          <p:cNvPr id="7815246" name="Picture 18" descr="image.png"/>
           <p:cNvPicPr>
             <a:picLocks noChangeAspect="1"/>
           </p:cNvPicPr>
@@ -8476,13 +8476,13 @@
       </p:pic>
       <p:sp>
         <p:nvSpPr>
-          <p:cNvPr id="1659897508" name="Rounded Rectangle 19"/>
+          <p:cNvPr id="740778205" name="Rounded Rectangle 19"/>
           <p:cNvSpPr/>
           <p:nvPr/>
         </p:nvSpPr>
         <p:spPr bwMode="auto">
           <a:xfrm>
-            <a:off x="1076297" y="2559049"/>
+            <a:off x="1076297" y="2559048"/>
             <a:ext cx="1400139" cy="304800"/>
           </a:xfrm>
           <a:prstGeom prst="roundRect">
@@ -8526,13 +8526,13 @@
       </p:sp>
       <p:sp>
         <p:nvSpPr>
-          <p:cNvPr id="697039353" name="TextBox 20"/>
+          <p:cNvPr id="911993004" name="TextBox 20"/>
           <p:cNvSpPr txBox="1"/>
           <p:nvPr/>
         </p:nvSpPr>
         <p:spPr bwMode="auto">
           <a:xfrm>
-            <a:off x="1076297" y="2559049"/>
+            <a:off x="1076297" y="2559048"/>
             <a:ext cx="1400139" cy="304800"/>
           </a:xfrm>
           <a:prstGeom prst="rect">
@@ -8573,7 +8573,7 @@
       </p:sp>
       <p:pic>
         <p:nvPicPr>
-          <p:cNvPr id="722297330" name="Picture 21" descr="image.png"/>
+          <p:cNvPr id="1608308782" name="Picture 21" descr="image.png"/>
           <p:cNvPicPr>
             <a:picLocks noChangeAspect="1"/>
           </p:cNvPicPr>
@@ -8597,13 +8597,13 @@
       </p:pic>
       <p:sp>
         <p:nvSpPr>
-          <p:cNvPr id="1414783642" name="Rounded Rectangle 22"/>
+          <p:cNvPr id="194313711" name="Rounded Rectangle 22"/>
           <p:cNvSpPr/>
           <p:nvPr/>
         </p:nvSpPr>
         <p:spPr bwMode="auto">
           <a:xfrm>
-            <a:off x="2552635" y="2559049"/>
+            <a:off x="2552635" y="2559048"/>
             <a:ext cx="1323941" cy="304800"/>
           </a:xfrm>
           <a:prstGeom prst="roundRect">
@@ -8647,13 +8647,13 @@
       </p:sp>
       <p:sp>
         <p:nvSpPr>
-          <p:cNvPr id="769703524" name="TextBox 23"/>
+          <p:cNvPr id="1735384172" name="TextBox 23"/>
           <p:cNvSpPr txBox="1"/>
           <p:nvPr/>
         </p:nvSpPr>
         <p:spPr bwMode="auto">
           <a:xfrm>
-            <a:off x="2552635" y="2559049"/>
+            <a:off x="2552635" y="2559048"/>
             <a:ext cx="1323941" cy="304800"/>
           </a:xfrm>
           <a:prstGeom prst="rect">
@@ -8694,7 +8694,7 @@
       </p:sp>
       <p:pic>
         <p:nvPicPr>
-          <p:cNvPr id="778052573" name="Picture 24" descr="image.png"/>
+          <p:cNvPr id="2020422004" name="Picture 24" descr="image.png"/>
           <p:cNvPicPr>
             <a:picLocks noChangeAspect="1"/>
           </p:cNvPicPr>
@@ -8718,7 +8718,7 @@
       </p:pic>
       <p:pic>
         <p:nvPicPr>
-          <p:cNvPr id="759920007" name="Picture 25" descr="image.png"/>
+          <p:cNvPr id="1416531329" name="Picture 25" descr="image.png"/>
           <p:cNvPicPr>
             <a:picLocks noChangeAspect="1"/>
           </p:cNvPicPr>
@@ -8742,7 +8742,7 @@
       </p:pic>
       <p:sp>
         <p:nvSpPr>
-          <p:cNvPr id="455160237" name="Rounded Rectangle 26"/>
+          <p:cNvPr id="222647792" name="Rounded Rectangle 26"/>
           <p:cNvSpPr/>
           <p:nvPr/>
         </p:nvSpPr>
@@ -8792,12 +8792,12 @@
       </p:sp>
       <p:sp>
         <p:nvSpPr>
-          <p:cNvPr id="340925886" name="Round Same Side Corner Rectangle 27"/>
+          <p:cNvPr id="1638622826" name="Round Same Side Corner Rectangle 27"/>
           <p:cNvSpPr/>
           <p:nvPr/>
         </p:nvSpPr>
         <p:spPr bwMode="auto">
-          <a:xfrm rot="16199999">
+          <a:xfrm rot="16199998">
             <a:off x="144756" y="3947793"/>
             <a:ext cx="1619250" cy="99060"/>
           </a:xfrm>
@@ -8841,7 +8841,7 @@
       </p:sp>
       <p:sp>
         <p:nvSpPr>
-          <p:cNvPr id="54264029" name="TextBox 28"/>
+          <p:cNvPr id="1689495161" name="TextBox 28"/>
           <p:cNvSpPr txBox="1"/>
           <p:nvPr/>
         </p:nvSpPr>
@@ -8884,7 +8884,7 @@
       </p:sp>
       <p:sp>
         <p:nvSpPr>
-          <p:cNvPr id="195590049" name="TextBox 29"/>
+          <p:cNvPr id="148811749" name="TextBox 29"/>
           <p:cNvSpPr txBox="1"/>
           <p:nvPr/>
         </p:nvSpPr>
@@ -8927,7 +8927,7 @@
       </p:sp>
       <p:sp>
         <p:nvSpPr>
-          <p:cNvPr id="1360452895" name="Rounded Rectangle 30"/>
+          <p:cNvPr id="610767753" name="Rounded Rectangle 30"/>
           <p:cNvSpPr/>
           <p:nvPr/>
         </p:nvSpPr>
@@ -8977,7 +8977,7 @@
       </p:sp>
       <p:sp>
         <p:nvSpPr>
-          <p:cNvPr id="905476538" name="TextBox 31"/>
+          <p:cNvPr id="1765888783" name="TextBox 31"/>
           <p:cNvSpPr txBox="1"/>
           <p:nvPr/>
         </p:nvSpPr>
@@ -9024,7 +9024,7 @@
       </p:sp>
       <p:pic>
         <p:nvPicPr>
-          <p:cNvPr id="312104248" name="Picture 32" descr="image.png"/>
+          <p:cNvPr id="1381810124" name="Picture 32" descr="image.png"/>
           <p:cNvPicPr>
             <a:picLocks noChangeAspect="1"/>
           </p:cNvPicPr>
@@ -9048,7 +9048,7 @@
       </p:pic>
       <p:sp>
         <p:nvSpPr>
-          <p:cNvPr id="1234421617" name="Rounded Rectangle 33"/>
+          <p:cNvPr id="2135427898" name="Rounded Rectangle 33"/>
           <p:cNvSpPr/>
           <p:nvPr/>
         </p:nvSpPr>
@@ -9098,7 +9098,7 @@
       </p:sp>
       <p:sp>
         <p:nvSpPr>
-          <p:cNvPr id="1824911753" name="TextBox 34"/>
+          <p:cNvPr id="731812655" name="TextBox 34"/>
           <p:cNvSpPr txBox="1"/>
           <p:nvPr/>
         </p:nvSpPr>
@@ -9145,7 +9145,7 @@
       </p:sp>
       <p:pic>
         <p:nvPicPr>
-          <p:cNvPr id="703667720" name="Picture 35" descr="image.png"/>
+          <p:cNvPr id="129225577" name="Picture 35" descr="image.png"/>
           <p:cNvPicPr>
             <a:picLocks noChangeAspect="1"/>
           </p:cNvPicPr>
@@ -9169,7 +9169,7 @@
       </p:pic>
       <p:sp>
         <p:nvSpPr>
-          <p:cNvPr id="1811513652" name="Rounded Rectangle 36"/>
+          <p:cNvPr id="281038529" name="Rounded Rectangle 36"/>
           <p:cNvSpPr/>
           <p:nvPr/>
         </p:nvSpPr>
@@ -9219,7 +9219,7 @@
       </p:sp>
       <p:sp>
         <p:nvSpPr>
-          <p:cNvPr id="69352215" name="TextBox 37"/>
+          <p:cNvPr id="1270601611" name="TextBox 37"/>
           <p:cNvSpPr txBox="1"/>
           <p:nvPr/>
         </p:nvSpPr>
@@ -9266,7 +9266,7 @@
       </p:sp>
       <p:pic>
         <p:nvPicPr>
-          <p:cNvPr id="1239840448" name="Picture 38" descr="image.png"/>
+          <p:cNvPr id="1875626753" name="Picture 38" descr="image.png"/>
           <p:cNvPicPr>
             <a:picLocks noChangeAspect="1"/>
           </p:cNvPicPr>
@@ -9290,7 +9290,7 @@
       </p:pic>
       <p:sp>
         <p:nvSpPr>
-          <p:cNvPr id="384583977" name="Rounded Rectangle 39"/>
+          <p:cNvPr id="75216039" name="Rounded Rectangle 39"/>
           <p:cNvSpPr/>
           <p:nvPr/>
         </p:nvSpPr>
@@ -9340,7 +9340,7 @@
       </p:sp>
       <p:sp>
         <p:nvSpPr>
-          <p:cNvPr id="1607880013" name="TextBox 40"/>
+          <p:cNvPr id="398302392" name="TextBox 40"/>
           <p:cNvSpPr txBox="1"/>
           <p:nvPr/>
         </p:nvSpPr>
@@ -9387,7 +9387,7 @@
       </p:sp>
       <p:pic>
         <p:nvPicPr>
-          <p:cNvPr id="209917592" name="Picture 41" descr="image.png"/>
+          <p:cNvPr id="442917375" name="Picture 41" descr="image.png"/>
           <p:cNvPicPr>
             <a:picLocks noChangeAspect="1"/>
           </p:cNvPicPr>
@@ -9411,7 +9411,7 @@
       </p:pic>
       <p:sp>
         <p:nvSpPr>
-          <p:cNvPr id="1236014716" name="Rounded Rectangle 42"/>
+          <p:cNvPr id="1272083026" name="Rounded Rectangle 42"/>
           <p:cNvSpPr/>
           <p:nvPr/>
         </p:nvSpPr>
@@ -9461,12 +9461,12 @@
       </p:sp>
       <p:sp>
         <p:nvSpPr>
-          <p:cNvPr id="726800517" name="Round Same Side Corner Rectangle 43"/>
+          <p:cNvPr id="2013472602" name="Round Same Side Corner Rectangle 43"/>
           <p:cNvSpPr/>
           <p:nvPr/>
         </p:nvSpPr>
         <p:spPr bwMode="auto">
-          <a:xfrm rot="16199999">
+          <a:xfrm rot="16199998">
             <a:off x="144756" y="5709919"/>
             <a:ext cx="1619250" cy="99060"/>
           </a:xfrm>
@@ -9510,7 +9510,7 @@
       </p:sp>
       <p:sp>
         <p:nvSpPr>
-          <p:cNvPr id="152217083" name="TextBox 44"/>
+          <p:cNvPr id="1790877413" name="TextBox 44"/>
           <p:cNvSpPr txBox="1"/>
           <p:nvPr/>
         </p:nvSpPr>
@@ -9553,7 +9553,7 @@
       </p:sp>
       <p:sp>
         <p:nvSpPr>
-          <p:cNvPr id="1413663716" name="TextBox 45"/>
+          <p:cNvPr id="1484167642" name="TextBox 45"/>
           <p:cNvSpPr txBox="1"/>
           <p:nvPr/>
         </p:nvSpPr>
@@ -9596,7 +9596,7 @@
       </p:sp>
       <p:sp>
         <p:nvSpPr>
-          <p:cNvPr id="1977010368" name="Rounded Rectangle 46"/>
+          <p:cNvPr id="244980113" name="Rounded Rectangle 46"/>
           <p:cNvSpPr/>
           <p:nvPr/>
         </p:nvSpPr>
@@ -9646,7 +9646,7 @@
       </p:sp>
       <p:sp>
         <p:nvSpPr>
-          <p:cNvPr id="1148464534" name="TextBox 47"/>
+          <p:cNvPr id="1109360403" name="TextBox 47"/>
           <p:cNvSpPr txBox="1"/>
           <p:nvPr/>
         </p:nvSpPr>
@@ -9693,7 +9693,7 @@
       </p:sp>
       <p:pic>
         <p:nvPicPr>
-          <p:cNvPr id="767081420" name="Picture 48" descr="image.png"/>
+          <p:cNvPr id="903414973" name="Picture 48" descr="image.png"/>
           <p:cNvPicPr>
             <a:picLocks noChangeAspect="1"/>
           </p:cNvPicPr>
@@ -9717,7 +9717,7 @@
       </p:pic>
       <p:sp>
         <p:nvSpPr>
-          <p:cNvPr id="486691449" name="Rounded Rectangle 49"/>
+          <p:cNvPr id="2082695211" name="Rounded Rectangle 49"/>
           <p:cNvSpPr/>
           <p:nvPr/>
         </p:nvSpPr>
@@ -9767,7 +9767,7 @@
       </p:sp>
       <p:sp>
         <p:nvSpPr>
-          <p:cNvPr id="719426397" name="TextBox 50"/>
+          <p:cNvPr id="428497629" name="TextBox 50"/>
           <p:cNvSpPr txBox="1"/>
           <p:nvPr/>
         </p:nvSpPr>
@@ -9814,7 +9814,7 @@
       </p:sp>
       <p:pic>
         <p:nvPicPr>
-          <p:cNvPr id="1737182227" name="Picture 51" descr="image.png"/>
+          <p:cNvPr id="562608796" name="Picture 51" descr="image.png"/>
           <p:cNvPicPr>
             <a:picLocks noChangeAspect="1"/>
           </p:cNvPicPr>
@@ -9838,7 +9838,7 @@
       </p:pic>
       <p:sp>
         <p:nvSpPr>
-          <p:cNvPr id="1352892438" name="Rounded Rectangle 52"/>
+          <p:cNvPr id="621634229" name="Rounded Rectangle 52"/>
           <p:cNvSpPr/>
           <p:nvPr/>
         </p:nvSpPr>
@@ -9888,7 +9888,7 @@
       </p:sp>
       <p:sp>
         <p:nvSpPr>
-          <p:cNvPr id="955550818" name="TextBox 53"/>
+          <p:cNvPr id="1090987764" name="TextBox 53"/>
           <p:cNvSpPr txBox="1"/>
           <p:nvPr/>
         </p:nvSpPr>
@@ -9935,7 +9935,7 @@
       </p:sp>
       <p:pic>
         <p:nvPicPr>
-          <p:cNvPr id="1969136130" name="Picture 54" descr="image.png"/>
+          <p:cNvPr id="562459247" name="Picture 54" descr="image.png"/>
           <p:cNvPicPr>
             <a:picLocks noChangeAspect="1"/>
           </p:cNvPicPr>
@@ -9959,7 +9959,7 @@
       </p:pic>
       <p:sp>
         <p:nvSpPr>
-          <p:cNvPr id="1565317369" name="Rounded Rectangle 55"/>
+          <p:cNvPr id="1607558121" name="Rounded Rectangle 55"/>
           <p:cNvSpPr/>
           <p:nvPr/>
         </p:nvSpPr>
@@ -10009,7 +10009,7 @@
       </p:sp>
       <p:sp>
         <p:nvSpPr>
-          <p:cNvPr id="335654028" name="TextBox 56"/>
+          <p:cNvPr id="1361026709" name="TextBox 56"/>
           <p:cNvSpPr txBox="1"/>
           <p:nvPr/>
         </p:nvSpPr>
@@ -10056,7 +10056,7 @@
       </p:sp>
       <p:pic>
         <p:nvPicPr>
-          <p:cNvPr id="1947773966" name="Picture 57" descr="image.png"/>
+          <p:cNvPr id="1980153833" name="Picture 57" descr="image.png"/>
           <p:cNvPicPr>
             <a:picLocks noChangeAspect="1"/>
           </p:cNvPicPr>
@@ -10080,7 +10080,7 @@
       </p:pic>
       <p:sp>
         <p:nvSpPr>
-          <p:cNvPr id="1240968774" name="Rounded Rectangle 58"/>
+          <p:cNvPr id="385408064" name="Rounded Rectangle 58"/>
           <p:cNvSpPr/>
           <p:nvPr/>
         </p:nvSpPr>
@@ -10130,7 +10130,7 @@
       </p:sp>
       <p:sp>
         <p:nvSpPr>
-          <p:cNvPr id="1308718739" name="TextBox 59"/>
+          <p:cNvPr id="1266742656" name="TextBox 59"/>
           <p:cNvSpPr txBox="1"/>
           <p:nvPr/>
         </p:nvSpPr>
@@ -10185,7 +10185,7 @@
       </p:sp>
       <p:pic>
         <p:nvPicPr>
-          <p:cNvPr id="353578903" name="Picture 60" descr="image.png"/>
+          <p:cNvPr id="1157231919" name="Picture 60" descr="image.png"/>
           <p:cNvPicPr>
             <a:picLocks noChangeAspect="1"/>
           </p:cNvPicPr>
@@ -10199,7 +10199,7 @@
         </p:blipFill>
         <p:spPr bwMode="auto">
           <a:xfrm>
-            <a:off x="6476837" y="594359"/>
+            <a:off x="6476837" y="594358"/>
             <a:ext cx="228594" cy="125729"/>
           </a:xfrm>
           <a:prstGeom prst="rect">
@@ -10209,7 +10209,7 @@
       </p:pic>
       <p:sp>
         <p:nvSpPr>
-          <p:cNvPr id="1779263670" name="Rounded Rectangle 61"/>
+          <p:cNvPr id="206591332" name="Rounded Rectangle 61"/>
           <p:cNvSpPr/>
           <p:nvPr/>
         </p:nvSpPr>
@@ -10257,7 +10257,7 @@
       </p:sp>
       <p:sp>
         <p:nvSpPr>
-          <p:cNvPr id="1897222865" name="TextBox 62"/>
+          <p:cNvPr id="940344003" name="TextBox 62"/>
           <p:cNvSpPr txBox="1"/>
           <p:nvPr/>
         </p:nvSpPr>
@@ -10327,7 +10327,7 @@
       </p:sp>
       <p:sp>
         <p:nvSpPr>
-          <p:cNvPr id="1679331717" name="TextBox 63"/>
+          <p:cNvPr id="2125511893" name="TextBox 63"/>
           <p:cNvSpPr txBox="1"/>
           <p:nvPr/>
         </p:nvSpPr>
@@ -10389,7 +10389,7 @@
       </p:sp>
       <p:sp>
         <p:nvSpPr>
-          <p:cNvPr id="1387881652" name="TextBox 64"/>
+          <p:cNvPr id="1130463439" name="TextBox 64"/>
           <p:cNvSpPr txBox="1"/>
           <p:nvPr/>
         </p:nvSpPr>
@@ -10467,7 +10467,7 @@
       </p:sp>
       <p:sp>
         <p:nvSpPr>
-          <p:cNvPr id="519250638" name="TextBox 65"/>
+          <p:cNvPr id="123869580" name="TextBox 65"/>
           <p:cNvSpPr txBox="1"/>
           <p:nvPr/>
         </p:nvSpPr>
@@ -10529,7 +10529,7 @@
       </p:sp>
       <p:sp>
         <p:nvSpPr>
-          <p:cNvPr id="2072692180" name="TextBox 66"/>
+          <p:cNvPr id="632032089" name="TextBox 66"/>
           <p:cNvSpPr txBox="1"/>
           <p:nvPr/>
         </p:nvSpPr>
@@ -10607,7 +10607,7 @@
       </p:sp>
       <p:sp>
         <p:nvSpPr>
-          <p:cNvPr id="967589796" name="TextBox 67"/>
+          <p:cNvPr id="1808961473" name="TextBox 67"/>
           <p:cNvSpPr txBox="1"/>
           <p:nvPr/>
         </p:nvSpPr>
@@ -10685,7 +10685,7 @@
       </p:sp>
       <p:sp>
         <p:nvSpPr>
-          <p:cNvPr id="490417233" name="TextBox 68"/>
+          <p:cNvPr id="1670508822" name="TextBox 68"/>
           <p:cNvSpPr txBox="1"/>
           <p:nvPr/>
         </p:nvSpPr>
@@ -10763,7 +10763,7 @@
       </p:sp>
       <p:sp>
         <p:nvSpPr>
-          <p:cNvPr id="1755068947" name="TextBox 69"/>
+          <p:cNvPr id="1499843287" name="TextBox 69"/>
           <p:cNvSpPr txBox="1"/>
           <p:nvPr/>
         </p:nvSpPr>
@@ -10841,7 +10841,7 @@
       </p:sp>
       <p:sp>
         <p:nvSpPr>
-          <p:cNvPr id="1703065507" name="TextBox 70"/>
+          <p:cNvPr id="88549064" name="TextBox 70"/>
           <p:cNvSpPr txBox="1"/>
           <p:nvPr/>
         </p:nvSpPr>
@@ -10919,7 +10919,7 @@
       </p:sp>
       <p:sp>
         <p:nvSpPr>
-          <p:cNvPr id="1534338475" name="TextBox 71"/>
+          <p:cNvPr id="131795645" name="TextBox 71"/>
           <p:cNvSpPr txBox="1"/>
           <p:nvPr/>
         </p:nvSpPr>
@@ -11013,13 +11013,13 @@
       </p:sp>
       <p:sp>
         <p:nvSpPr>
-          <p:cNvPr id="1100175658" name="TextBox 72"/>
+          <p:cNvPr id="1553723833" name="TextBox 72"/>
           <p:cNvSpPr txBox="1"/>
           <p:nvPr/>
         </p:nvSpPr>
         <p:spPr bwMode="auto">
           <a:xfrm>
-            <a:off x="6619708" y="3895724"/>
+            <a:off x="6619708" y="3895723"/>
             <a:ext cx="4381390" cy="228600"/>
           </a:xfrm>
           <a:prstGeom prst="rect">
@@ -11075,7 +11075,7 @@
       </p:sp>
       <p:sp>
         <p:nvSpPr>
-          <p:cNvPr id="654757221" name="TextBox 73"/>
+          <p:cNvPr id="1078853276" name="TextBox 73"/>
           <p:cNvSpPr txBox="1"/>
           <p:nvPr/>
         </p:nvSpPr>
@@ -11137,7 +11137,7 @@
       </p:sp>
       <p:sp>
         <p:nvSpPr>
-          <p:cNvPr id="625236865" name="TextBox 74"/>
+          <p:cNvPr id="974488962" name="TextBox 74"/>
           <p:cNvSpPr txBox="1"/>
           <p:nvPr/>
         </p:nvSpPr>
@@ -11199,7 +11199,7 @@
       </p:sp>
       <p:sp>
         <p:nvSpPr>
-          <p:cNvPr id="487999745" name="TextBox 75"/>
+          <p:cNvPr id="973340286" name="TextBox 75"/>
           <p:cNvSpPr txBox="1"/>
           <p:nvPr/>
         </p:nvSpPr>
@@ -11261,7 +11261,7 @@
       </p:sp>
       <p:sp>
         <p:nvSpPr>
-          <p:cNvPr id="999878112" name="TextBox 76"/>
+          <p:cNvPr id="1325207863" name="TextBox 76"/>
           <p:cNvSpPr txBox="1"/>
           <p:nvPr/>
         </p:nvSpPr>
@@ -11323,13 +11323,13 @@
       </p:sp>
       <p:sp>
         <p:nvSpPr>
-          <p:cNvPr id="803994894" name="TextBox 77"/>
+          <p:cNvPr id="1313087919" name="TextBox 77"/>
           <p:cNvSpPr txBox="1"/>
           <p:nvPr/>
         </p:nvSpPr>
         <p:spPr bwMode="auto">
           <a:xfrm>
-            <a:off x="6619708" y="5505448"/>
+            <a:off x="6619708" y="5505447"/>
             <a:ext cx="4381390" cy="228600"/>
           </a:xfrm>
           <a:prstGeom prst="rect">
@@ -11385,7 +11385,7 @@
       </p:sp>
       <p:sp>
         <p:nvSpPr>
-          <p:cNvPr id="1379134611" name="TextBox 78"/>
+          <p:cNvPr id="966909432" name="TextBox 78"/>
           <p:cNvSpPr txBox="1"/>
           <p:nvPr/>
         </p:nvSpPr>
@@ -11479,7 +11479,7 @@
       </p:grpSpPr>
       <p:sp>
         <p:nvSpPr>
-          <p:cNvPr id="955397345" name="TextBox 1"/>
+          <p:cNvPr id="1216408375" name="TextBox 1"/>
           <p:cNvSpPr txBox="1"/>
           <p:nvPr/>
         </p:nvSpPr>
@@ -11522,7 +11522,7 @@
       </p:sp>
       <p:sp>
         <p:nvSpPr>
-          <p:cNvPr id="534003489" name="Rectangle 2"/>
+          <p:cNvPr id="488972372" name="Rectangle 2"/>
           <p:cNvSpPr/>
           <p:nvPr/>
         </p:nvSpPr>
@@ -11568,7 +11568,7 @@
       </p:sp>
       <p:sp>
         <p:nvSpPr>
-          <p:cNvPr id="992424761" name="Rounded Rectangle 3"/>
+          <p:cNvPr id="556337726" name="Rounded Rectangle 3"/>
           <p:cNvSpPr/>
           <p:nvPr/>
         </p:nvSpPr>
@@ -11618,7 +11618,7 @@
       </p:sp>
       <p:sp>
         <p:nvSpPr>
-          <p:cNvPr id="1299582388" name="TextBox 4"/>
+          <p:cNvPr id="1455324390" name="TextBox 4"/>
           <p:cNvSpPr txBox="1"/>
           <p:nvPr/>
         </p:nvSpPr>
@@ -11673,7 +11673,7 @@
       </p:sp>
       <p:pic>
         <p:nvPicPr>
-          <p:cNvPr id="1338493233" name="Picture 5" descr="image.png"/>
+          <p:cNvPr id="855440776" name="Picture 5" descr="image.png"/>
           <p:cNvPicPr>
             <a:picLocks noChangeAspect="1"/>
           </p:cNvPicPr>
@@ -11697,7 +11697,7 @@
       </p:pic>
       <p:sp>
         <p:nvSpPr>
-          <p:cNvPr id="2123041848" name="Rounded Rectangle 6"/>
+          <p:cNvPr id="1322382195" name="Rounded Rectangle 6"/>
           <p:cNvSpPr/>
           <p:nvPr/>
         </p:nvSpPr>
@@ -11745,7 +11745,7 @@
       </p:sp>
       <p:sp>
         <p:nvSpPr>
-          <p:cNvPr id="835046183" name="TextBox 7"/>
+          <p:cNvPr id="970246750" name="TextBox 7"/>
           <p:cNvSpPr txBox="1"/>
           <p:nvPr/>
         </p:nvSpPr>
@@ -11788,7 +11788,7 @@
       </p:sp>
       <p:sp>
         <p:nvSpPr>
-          <p:cNvPr id="1770203169" name="TextBox 8"/>
+          <p:cNvPr id="1376656068" name="TextBox 8"/>
           <p:cNvSpPr txBox="1"/>
           <p:nvPr/>
         </p:nvSpPr>
@@ -11831,7 +11831,7 @@
       </p:sp>
       <p:sp>
         <p:nvSpPr>
-          <p:cNvPr id="370110878" name="TextBox 9"/>
+          <p:cNvPr id="532227158" name="TextBox 9"/>
           <p:cNvSpPr txBox="1"/>
           <p:nvPr/>
         </p:nvSpPr>
@@ -11877,7 +11877,7 @@
       </p:sp>
       <p:sp>
         <p:nvSpPr>
-          <p:cNvPr id="87500848" name="Rounded Rectangle 10"/>
+          <p:cNvPr id="1033210154" name="Rounded Rectangle 10"/>
           <p:cNvSpPr/>
           <p:nvPr/>
         </p:nvSpPr>
@@ -11925,7 +11925,7 @@
       </p:sp>
       <p:sp>
         <p:nvSpPr>
-          <p:cNvPr id="654360974" name="TextBox 11"/>
+          <p:cNvPr id="1028291839" name="TextBox 11"/>
           <p:cNvSpPr txBox="1"/>
           <p:nvPr/>
         </p:nvSpPr>
@@ -11968,7 +11968,7 @@
       </p:sp>
       <p:sp>
         <p:nvSpPr>
-          <p:cNvPr id="2146184838" name="Rounded Rectangle 12"/>
+          <p:cNvPr id="1072597606" name="Rounded Rectangle 12"/>
           <p:cNvSpPr/>
           <p:nvPr/>
         </p:nvSpPr>
@@ -12016,7 +12016,7 @@
       </p:sp>
       <p:sp>
         <p:nvSpPr>
-          <p:cNvPr id="1921468562" name="TextBox 13"/>
+          <p:cNvPr id="1477704795" name="TextBox 13"/>
           <p:cNvSpPr txBox="1"/>
           <p:nvPr/>
         </p:nvSpPr>
@@ -12059,7 +12059,7 @@
       </p:sp>
       <p:sp>
         <p:nvSpPr>
-          <p:cNvPr id="1909691848" name="TextBox 14"/>
+          <p:cNvPr id="1182020606" name="TextBox 14"/>
           <p:cNvSpPr txBox="1"/>
           <p:nvPr/>
         </p:nvSpPr>
@@ -12102,7 +12102,7 @@
       </p:sp>
       <p:sp>
         <p:nvSpPr>
-          <p:cNvPr id="2133301241" name="TextBox 15"/>
+          <p:cNvPr id="187336819" name="TextBox 15"/>
           <p:cNvSpPr txBox="1"/>
           <p:nvPr/>
         </p:nvSpPr>
@@ -12148,7 +12148,7 @@
       </p:sp>
       <p:sp>
         <p:nvSpPr>
-          <p:cNvPr id="840816985" name="Rounded Rectangle 16"/>
+          <p:cNvPr id="83650333" name="Rounded Rectangle 16"/>
           <p:cNvSpPr/>
           <p:nvPr/>
         </p:nvSpPr>
@@ -12196,7 +12196,7 @@
       </p:sp>
       <p:sp>
         <p:nvSpPr>
-          <p:cNvPr id="1033409338" name="TextBox 17"/>
+          <p:cNvPr id="1127300547" name="TextBox 17"/>
           <p:cNvSpPr txBox="1"/>
           <p:nvPr/>
         </p:nvSpPr>
@@ -12239,7 +12239,7 @@
       </p:sp>
       <p:sp>
         <p:nvSpPr>
-          <p:cNvPr id="356365074" name="Rounded Rectangle 18"/>
+          <p:cNvPr id="352022789" name="Rounded Rectangle 18"/>
           <p:cNvSpPr/>
           <p:nvPr/>
         </p:nvSpPr>
@@ -12287,7 +12287,7 @@
       </p:sp>
       <p:sp>
         <p:nvSpPr>
-          <p:cNvPr id="573536066" name="TextBox 19"/>
+          <p:cNvPr id="1495878196" name="TextBox 19"/>
           <p:cNvSpPr txBox="1"/>
           <p:nvPr/>
         </p:nvSpPr>
@@ -12330,7 +12330,7 @@
       </p:sp>
       <p:sp>
         <p:nvSpPr>
-          <p:cNvPr id="1848697432" name="TextBox 20"/>
+          <p:cNvPr id="1494259462" name="TextBox 20"/>
           <p:cNvSpPr txBox="1"/>
           <p:nvPr/>
         </p:nvSpPr>
@@ -12373,7 +12373,7 @@
       </p:sp>
       <p:sp>
         <p:nvSpPr>
-          <p:cNvPr id="1369037662" name="TextBox 21"/>
+          <p:cNvPr id="1877332813" name="TextBox 21"/>
           <p:cNvSpPr txBox="1"/>
           <p:nvPr/>
         </p:nvSpPr>
@@ -12419,7 +12419,7 @@
       </p:sp>
       <p:sp>
         <p:nvSpPr>
-          <p:cNvPr id="1370011427" name="Rounded Rectangle 22"/>
+          <p:cNvPr id="1356952807" name="Rounded Rectangle 22"/>
           <p:cNvSpPr/>
           <p:nvPr/>
         </p:nvSpPr>
@@ -12467,7 +12467,7 @@
       </p:sp>
       <p:sp>
         <p:nvSpPr>
-          <p:cNvPr id="1555716737" name="TextBox 23"/>
+          <p:cNvPr id="1379133497" name="TextBox 23"/>
           <p:cNvSpPr txBox="1"/>
           <p:nvPr/>
         </p:nvSpPr>
@@ -12510,7 +12510,7 @@
       </p:sp>
       <p:sp>
         <p:nvSpPr>
-          <p:cNvPr id="63492376" name="TextBox 24"/>
+          <p:cNvPr id="1763390086" name="TextBox 24"/>
           <p:cNvSpPr txBox="1"/>
           <p:nvPr/>
         </p:nvSpPr>
@@ -12553,7 +12553,7 @@
       </p:sp>
       <p:sp>
         <p:nvSpPr>
-          <p:cNvPr id="920869427" name="TextBox 25"/>
+          <p:cNvPr id="1136240909" name="TextBox 25"/>
           <p:cNvSpPr txBox="1"/>
           <p:nvPr/>
         </p:nvSpPr>
@@ -12599,7 +12599,7 @@
       </p:sp>
       <p:sp>
         <p:nvSpPr>
-          <p:cNvPr id="2038836392" name="Rounded Rectangle 26"/>
+          <p:cNvPr id="1711530263" name="Rounded Rectangle 26"/>
           <p:cNvSpPr/>
           <p:nvPr/>
         </p:nvSpPr>
@@ -12647,7 +12647,7 @@
       </p:sp>
       <p:sp>
         <p:nvSpPr>
-          <p:cNvPr id="762699615" name="TextBox 27"/>
+          <p:cNvPr id="497366478" name="TextBox 27"/>
           <p:cNvSpPr txBox="1"/>
           <p:nvPr/>
         </p:nvSpPr>
@@ -12690,7 +12690,7 @@
       </p:sp>
       <p:sp>
         <p:nvSpPr>
-          <p:cNvPr id="1805538882" name="TextBox 28"/>
+          <p:cNvPr id="1306721810" name="TextBox 28"/>
           <p:cNvSpPr txBox="1"/>
           <p:nvPr/>
         </p:nvSpPr>
@@ -12733,7 +12733,7 @@
       </p:sp>
       <p:sp>
         <p:nvSpPr>
-          <p:cNvPr id="1775109312" name="TextBox 29"/>
+          <p:cNvPr id="816483445" name="TextBox 29"/>
           <p:cNvSpPr txBox="1"/>
           <p:nvPr/>
         </p:nvSpPr>
@@ -12779,7 +12779,7 @@
       </p:sp>
       <p:sp>
         <p:nvSpPr>
-          <p:cNvPr id="197443333" name="Rounded Rectangle 30"/>
+          <p:cNvPr id="1352992037" name="Rounded Rectangle 30"/>
           <p:cNvSpPr/>
           <p:nvPr/>
         </p:nvSpPr>
@@ -12829,7 +12829,7 @@
       </p:sp>
       <p:pic>
         <p:nvPicPr>
-          <p:cNvPr id="942815634" name="Picture 31" descr="image.png"/>
+          <p:cNvPr id="616658008" name="Picture 31" descr="image.png"/>
           <p:cNvPicPr>
             <a:picLocks noChangeAspect="1"/>
           </p:cNvPicPr>
@@ -12843,7 +12843,7 @@
         </p:blipFill>
         <p:spPr bwMode="auto">
           <a:xfrm>
-            <a:off x="1019148" y="6098327"/>
+            <a:off x="1019147" y="6098327"/>
             <a:ext cx="228594" cy="194309"/>
           </a:xfrm>
           <a:prstGeom prst="rect">
@@ -12853,7 +12853,7 @@
       </p:pic>
       <p:sp>
         <p:nvSpPr>
-          <p:cNvPr id="633202157" name="TextBox 32"/>
+          <p:cNvPr id="966525309" name="TextBox 32"/>
           <p:cNvSpPr txBox="1"/>
           <p:nvPr/>
         </p:nvSpPr>
@@ -12899,7 +12899,7 @@
       </p:sp>
       <p:sp>
         <p:nvSpPr>
-          <p:cNvPr id="110387905" name="Rounded Rectangle 33"/>
+          <p:cNvPr id="735843096" name="Rounded Rectangle 33"/>
           <p:cNvSpPr/>
           <p:nvPr/>
         </p:nvSpPr>
@@ -12949,7 +12949,7 @@
       </p:sp>
       <p:sp>
         <p:nvSpPr>
-          <p:cNvPr id="621835990" name="TextBox 34"/>
+          <p:cNvPr id="96789099" name="TextBox 34"/>
           <p:cNvSpPr txBox="1"/>
           <p:nvPr/>
         </p:nvSpPr>
@@ -13004,7 +13004,7 @@
       </p:sp>
       <p:pic>
         <p:nvPicPr>
-          <p:cNvPr id="452155480" name="Picture 35" descr="image.png"/>
+          <p:cNvPr id="1317736644" name="Picture 35" descr="image.png"/>
           <p:cNvPicPr>
             <a:picLocks noChangeAspect="1"/>
           </p:cNvPicPr>
@@ -13028,7 +13028,7 @@
       </p:pic>
       <p:sp>
         <p:nvSpPr>
-          <p:cNvPr id="965637697" name="Rounded Rectangle 36"/>
+          <p:cNvPr id="1253913614" name="Rounded Rectangle 36"/>
           <p:cNvSpPr/>
           <p:nvPr/>
         </p:nvSpPr>
@@ -13076,7 +13076,7 @@
       </p:sp>
       <p:sp>
         <p:nvSpPr>
-          <p:cNvPr id="1508095700" name="TextBox 37"/>
+          <p:cNvPr id="1937818223" name="TextBox 37"/>
           <p:cNvSpPr txBox="1"/>
           <p:nvPr/>
         </p:nvSpPr>
@@ -13122,7 +13122,7 @@
       </p:sp>
       <p:sp>
         <p:nvSpPr>
-          <p:cNvPr id="237271002" name="TextBox 38"/>
+          <p:cNvPr id="273749191" name="TextBox 38"/>
           <p:cNvSpPr txBox="1"/>
           <p:nvPr/>
         </p:nvSpPr>
@@ -13168,7 +13168,7 @@
       </p:sp>
       <p:sp>
         <p:nvSpPr>
-          <p:cNvPr id="1789394664" name="TextBox 39"/>
+          <p:cNvPr id="646330085" name="TextBox 39"/>
           <p:cNvSpPr txBox="1"/>
           <p:nvPr/>
         </p:nvSpPr>
@@ -13214,7 +13214,7 @@
       </p:sp>
       <p:sp>
         <p:nvSpPr>
-          <p:cNvPr id="786588828" name="TextBox 40"/>
+          <p:cNvPr id="1026861261" name="TextBox 40"/>
           <p:cNvSpPr txBox="1"/>
           <p:nvPr/>
         </p:nvSpPr>
@@ -13260,7 +13260,7 @@
       </p:sp>
       <p:sp>
         <p:nvSpPr>
-          <p:cNvPr id="1124431720" name="TextBox 41"/>
+          <p:cNvPr id="293595697" name="TextBox 41"/>
           <p:cNvSpPr txBox="1"/>
           <p:nvPr/>
         </p:nvSpPr>
@@ -13306,7 +13306,7 @@
       </p:sp>
       <p:sp>
         <p:nvSpPr>
-          <p:cNvPr id="1920164315" name="TextBox 42"/>
+          <p:cNvPr id="1176930708" name="TextBox 42"/>
           <p:cNvSpPr txBox="1"/>
           <p:nvPr/>
         </p:nvSpPr>
@@ -13352,7 +13352,7 @@
       </p:sp>
       <p:sp>
         <p:nvSpPr>
-          <p:cNvPr id="1568930616" name="TextBox 43"/>
+          <p:cNvPr id="838030525" name="TextBox 43"/>
           <p:cNvSpPr txBox="1"/>
           <p:nvPr/>
         </p:nvSpPr>
@@ -13398,7 +13398,7 @@
       </p:sp>
       <p:sp>
         <p:nvSpPr>
-          <p:cNvPr id="2051243926" name="TextBox 44"/>
+          <p:cNvPr id="119127023" name="TextBox 44"/>
           <p:cNvSpPr txBox="1"/>
           <p:nvPr/>
         </p:nvSpPr>
@@ -13444,7 +13444,7 @@
       </p:sp>
       <p:sp>
         <p:nvSpPr>
-          <p:cNvPr id="971807127" name="TextBox 45"/>
+          <p:cNvPr id="368913858" name="TextBox 45"/>
           <p:cNvSpPr txBox="1"/>
           <p:nvPr/>
         </p:nvSpPr>
@@ -13490,7 +13490,7 @@
       </p:sp>
       <p:sp>
         <p:nvSpPr>
-          <p:cNvPr id="20594417" name="TextBox 46"/>
+          <p:cNvPr id="693507395" name="TextBox 46"/>
           <p:cNvSpPr txBox="1"/>
           <p:nvPr/>
         </p:nvSpPr>
@@ -13536,7 +13536,7 @@
       </p:sp>
       <p:sp>
         <p:nvSpPr>
-          <p:cNvPr id="1022090399" name="TextBox 47"/>
+          <p:cNvPr id="621263784" name="TextBox 47"/>
           <p:cNvSpPr txBox="1"/>
           <p:nvPr/>
         </p:nvSpPr>
@@ -13582,7 +13582,7 @@
       </p:sp>
       <p:sp>
         <p:nvSpPr>
-          <p:cNvPr id="730393559" name="TextBox 48"/>
+          <p:cNvPr id="1002681570" name="TextBox 48"/>
           <p:cNvSpPr txBox="1"/>
           <p:nvPr/>
         </p:nvSpPr>
@@ -13676,7 +13676,7 @@
       </p:grpSpPr>
       <p:sp>
         <p:nvSpPr>
-          <p:cNvPr id="1816503865" name="TextBox 1"/>
+          <p:cNvPr id="1090688943" name="TextBox 1"/>
           <p:cNvSpPr txBox="1"/>
           <p:nvPr/>
         </p:nvSpPr>
@@ -13719,7 +13719,7 @@
       </p:sp>
       <p:sp>
         <p:nvSpPr>
-          <p:cNvPr id="255167077" name="Rectangle 2"/>
+          <p:cNvPr id="1854856537" name="Rectangle 2"/>
           <p:cNvSpPr/>
           <p:nvPr/>
         </p:nvSpPr>
@@ -13765,7 +13765,7 @@
       </p:sp>
       <p:sp>
         <p:nvSpPr>
-          <p:cNvPr id="1709006308" name="Rounded Rectangle 3"/>
+          <p:cNvPr id="119799407" name="Rounded Rectangle 3"/>
           <p:cNvSpPr/>
           <p:nvPr/>
         </p:nvSpPr>
@@ -13815,7 +13815,7 @@
       </p:sp>
       <p:sp>
         <p:nvSpPr>
-          <p:cNvPr id="1538030687" name="Rounded Rectangle 4"/>
+          <p:cNvPr id="1986197575" name="Rounded Rectangle 4"/>
           <p:cNvSpPr/>
           <p:nvPr/>
         </p:nvSpPr>
@@ -13865,7 +13865,7 @@
       </p:sp>
       <p:pic>
         <p:nvPicPr>
-          <p:cNvPr id="529896659" name="Picture 5" descr="image.png"/>
+          <p:cNvPr id="1437958574" name="Picture 5" descr="image.png"/>
           <p:cNvPicPr>
             <a:picLocks noChangeAspect="1"/>
           </p:cNvPicPr>
@@ -13889,7 +13889,7 @@
       </p:pic>
       <p:sp>
         <p:nvSpPr>
-          <p:cNvPr id="344904157" name="TextBox 6"/>
+          <p:cNvPr id="44197543" name="TextBox 6"/>
           <p:cNvSpPr txBox="1"/>
           <p:nvPr/>
         </p:nvSpPr>
@@ -13932,7 +13932,7 @@
       </p:sp>
       <p:sp>
         <p:nvSpPr>
-          <p:cNvPr id="450811135" name="TextBox 7"/>
+          <p:cNvPr id="1491030856" name="TextBox 7"/>
           <p:cNvSpPr txBox="1"/>
           <p:nvPr/>
         </p:nvSpPr>
@@ -13978,7 +13978,7 @@
       </p:sp>
       <p:pic>
         <p:nvPicPr>
-          <p:cNvPr id="753437086" name="Picture 8" descr="image.png"/>
+          <p:cNvPr id="396131244" name="Picture 8" descr="image.png"/>
           <p:cNvPicPr>
             <a:picLocks noChangeAspect="1"/>
           </p:cNvPicPr>
@@ -14002,13 +14002,13 @@
       </p:pic>
       <p:sp>
         <p:nvSpPr>
-          <p:cNvPr id="1289582572" name="TextBox 9"/>
+          <p:cNvPr id="944972297" name="TextBox 9"/>
           <p:cNvSpPr txBox="1"/>
           <p:nvPr/>
         </p:nvSpPr>
         <p:spPr bwMode="auto">
           <a:xfrm>
-            <a:off x="1171544" y="3377140"/>
+            <a:off x="1171544" y="3377139"/>
             <a:ext cx="2752656" cy="476249"/>
           </a:xfrm>
           <a:prstGeom prst="rect">
@@ -14053,7 +14053,7 @@
       </p:sp>
       <p:pic>
         <p:nvPicPr>
-          <p:cNvPr id="1208300878" name="Picture 10" descr="image.png"/>
+          <p:cNvPr id="681290307" name="Picture 10" descr="image.png"/>
           <p:cNvPicPr>
             <a:picLocks noChangeAspect="1"/>
           </p:cNvPicPr>
@@ -14077,7 +14077,7 @@
       </p:pic>
       <p:sp>
         <p:nvSpPr>
-          <p:cNvPr id="221136809" name="TextBox 11"/>
+          <p:cNvPr id="1120325191" name="TextBox 11"/>
           <p:cNvSpPr txBox="1"/>
           <p:nvPr/>
         </p:nvSpPr>
@@ -14128,7 +14128,7 @@
       </p:sp>
       <p:pic>
         <p:nvPicPr>
-          <p:cNvPr id="2086292530" name="Picture 12" descr="image.png"/>
+          <p:cNvPr id="805073910" name="Picture 12" descr="image.png"/>
           <p:cNvPicPr>
             <a:picLocks noChangeAspect="1"/>
           </p:cNvPicPr>
@@ -14152,7 +14152,7 @@
       </p:pic>
       <p:sp>
         <p:nvSpPr>
-          <p:cNvPr id="369651962" name="TextBox 13"/>
+          <p:cNvPr id="1702446912" name="TextBox 13"/>
           <p:cNvSpPr txBox="1"/>
           <p:nvPr/>
         </p:nvSpPr>
@@ -14203,7 +14203,7 @@
       </p:sp>
       <p:sp>
         <p:nvSpPr>
-          <p:cNvPr id="1296962990" name="Rounded Rectangle 14"/>
+          <p:cNvPr id="815350092" name="Rounded Rectangle 14"/>
           <p:cNvSpPr/>
           <p:nvPr/>
         </p:nvSpPr>
@@ -14253,7 +14253,7 @@
       </p:sp>
       <p:sp>
         <p:nvSpPr>
-          <p:cNvPr id="9378550" name="TextBox 15"/>
+          <p:cNvPr id="443964422" name="TextBox 15"/>
           <p:cNvSpPr txBox="1"/>
           <p:nvPr/>
         </p:nvSpPr>
@@ -14388,7 +14388,7 @@
       </p:sp>
       <p:sp>
         <p:nvSpPr>
-          <p:cNvPr id="1423700311" name="Rounded Rectangle 16"/>
+          <p:cNvPr id="1140073386" name="Rounded Rectangle 16"/>
           <p:cNvSpPr/>
           <p:nvPr/>
         </p:nvSpPr>
@@ -14438,7 +14438,7 @@
       </p:sp>
       <p:sp>
         <p:nvSpPr>
-          <p:cNvPr id="989146837" name="Rounded Rectangle 17"/>
+          <p:cNvPr id="1509419794" name="Rounded Rectangle 17"/>
           <p:cNvSpPr/>
           <p:nvPr/>
         </p:nvSpPr>
@@ -14488,7 +14488,7 @@
       </p:sp>
       <p:pic>
         <p:nvPicPr>
-          <p:cNvPr id="1128168773" name="Picture 18" descr="image.png"/>
+          <p:cNvPr id="409902522" name="Picture 18" descr="image.png"/>
           <p:cNvPicPr>
             <a:picLocks noChangeAspect="1"/>
           </p:cNvPicPr>
@@ -14512,7 +14512,7 @@
       </p:pic>
       <p:sp>
         <p:nvSpPr>
-          <p:cNvPr id="1724147907" name="TextBox 19"/>
+          <p:cNvPr id="806554340" name="TextBox 19"/>
           <p:cNvSpPr txBox="1"/>
           <p:nvPr/>
         </p:nvSpPr>
@@ -14555,7 +14555,7 @@
       </p:sp>
       <p:sp>
         <p:nvSpPr>
-          <p:cNvPr id="909364002" name="TextBox 20"/>
+          <p:cNvPr id="1993132375" name="TextBox 20"/>
           <p:cNvSpPr txBox="1"/>
           <p:nvPr/>
         </p:nvSpPr>
@@ -14601,7 +14601,7 @@
       </p:sp>
       <p:pic>
         <p:nvPicPr>
-          <p:cNvPr id="357648182" name="Picture 21" descr="image.png"/>
+          <p:cNvPr id="994629319" name="Picture 21" descr="image.png"/>
           <p:cNvPicPr>
             <a:picLocks noChangeAspect="1"/>
           </p:cNvPicPr>
@@ -14625,7 +14625,7 @@
       </p:pic>
       <p:sp>
         <p:nvSpPr>
-          <p:cNvPr id="1225308519" name="TextBox 22"/>
+          <p:cNvPr id="1681930426" name="TextBox 22"/>
           <p:cNvSpPr txBox="1"/>
           <p:nvPr/>
         </p:nvSpPr>
@@ -14676,7 +14676,7 @@
       </p:sp>
       <p:pic>
         <p:nvPicPr>
-          <p:cNvPr id="38800939" name="Picture 23" descr="image.png"/>
+          <p:cNvPr id="646890578" name="Picture 23" descr="image.png"/>
           <p:cNvPicPr>
             <a:picLocks noChangeAspect="1"/>
           </p:cNvPicPr>
@@ -14700,7 +14700,7 @@
       </p:pic>
       <p:sp>
         <p:nvSpPr>
-          <p:cNvPr id="809560261" name="TextBox 24"/>
+          <p:cNvPr id="1341603994" name="TextBox 24"/>
           <p:cNvSpPr txBox="1"/>
           <p:nvPr/>
         </p:nvSpPr>
@@ -14751,7 +14751,7 @@
       </p:sp>
       <p:pic>
         <p:nvPicPr>
-          <p:cNvPr id="506314339" name="Picture 25" descr="image.png"/>
+          <p:cNvPr id="888413784" name="Picture 25" descr="image.png"/>
           <p:cNvPicPr>
             <a:picLocks noChangeAspect="1"/>
           </p:cNvPicPr>
@@ -14775,7 +14775,7 @@
       </p:pic>
       <p:sp>
         <p:nvSpPr>
-          <p:cNvPr id="2064610710" name="TextBox 26"/>
+          <p:cNvPr id="1464790048" name="TextBox 26"/>
           <p:cNvSpPr txBox="1"/>
           <p:nvPr/>
         </p:nvSpPr>
@@ -14826,7 +14826,7 @@
       </p:sp>
       <p:sp>
         <p:nvSpPr>
-          <p:cNvPr id="1008904242" name="Rounded Rectangle 27"/>
+          <p:cNvPr id="1947398698" name="Rounded Rectangle 27"/>
           <p:cNvSpPr/>
           <p:nvPr/>
         </p:nvSpPr>
@@ -14876,7 +14876,7 @@
       </p:sp>
       <p:sp>
         <p:nvSpPr>
-          <p:cNvPr id="948540061" name="TextBox 28"/>
+          <p:cNvPr id="1182936144" name="TextBox 28"/>
           <p:cNvSpPr txBox="1"/>
           <p:nvPr/>
         </p:nvSpPr>
@@ -14919,7 +14919,7 @@
       </p:sp>
       <p:pic>
         <p:nvPicPr>
-          <p:cNvPr id="108088868" name="Picture 29" descr="image.png"/>
+          <p:cNvPr id="1761231547" name="Picture 29" descr="image.png"/>
           <p:cNvPicPr>
             <a:picLocks noChangeAspect="1"/>
           </p:cNvPicPr>
@@ -14943,7 +14943,7 @@
       </p:pic>
       <p:sp>
         <p:nvSpPr>
-          <p:cNvPr id="1462775653" name="TextBox 30"/>
+          <p:cNvPr id="1424668442" name="TextBox 30"/>
           <p:cNvSpPr txBox="1"/>
           <p:nvPr/>
         </p:nvSpPr>
@@ -15010,7 +15010,7 @@
       </p:sp>
       <p:pic>
         <p:nvPicPr>
-          <p:cNvPr id="1690652510" name="Picture 31" descr="image.png"/>
+          <p:cNvPr id="2014397036" name="Picture 31" descr="image.png"/>
           <p:cNvPicPr>
             <a:picLocks noChangeAspect="1"/>
           </p:cNvPicPr>
@@ -15034,7 +15034,7 @@
       </p:pic>
       <p:sp>
         <p:nvSpPr>
-          <p:cNvPr id="2012913829" name="TextBox 32"/>
+          <p:cNvPr id="1078019531" name="TextBox 32"/>
           <p:cNvSpPr txBox="1"/>
           <p:nvPr/>
         </p:nvSpPr>
@@ -15101,7 +15101,7 @@
       </p:sp>
       <p:sp>
         <p:nvSpPr>
-          <p:cNvPr id="1453237047" name="Rounded Rectangle 33"/>
+          <p:cNvPr id="1220334912" name="Rounded Rectangle 33"/>
           <p:cNvSpPr/>
           <p:nvPr/>
         </p:nvSpPr>
@@ -15151,7 +15151,7 @@
       </p:sp>
       <p:sp>
         <p:nvSpPr>
-          <p:cNvPr id="1730758290" name="TextBox 34"/>
+          <p:cNvPr id="1434589623" name="TextBox 34"/>
           <p:cNvSpPr txBox="1"/>
           <p:nvPr/>
         </p:nvSpPr>
@@ -15194,7 +15194,7 @@
       </p:sp>
       <p:pic>
         <p:nvPicPr>
-          <p:cNvPr id="1444849431" name="Picture 35" descr="image.png"/>
+          <p:cNvPr id="430889473" name="Picture 35" descr="image.png"/>
           <p:cNvPicPr>
             <a:picLocks noChangeAspect="1"/>
           </p:cNvPicPr>
@@ -15218,7 +15218,7 @@
       </p:pic>
       <p:sp>
         <p:nvSpPr>
-          <p:cNvPr id="994604316" name="TextBox 36"/>
+          <p:cNvPr id="1808458441" name="TextBox 36"/>
           <p:cNvSpPr txBox="1"/>
           <p:nvPr/>
         </p:nvSpPr>
@@ -15285,7 +15285,7 @@
       </p:sp>
       <p:pic>
         <p:nvPicPr>
-          <p:cNvPr id="629079826" name="Picture 37" descr="image.png"/>
+          <p:cNvPr id="213657767" name="Picture 37" descr="image.png"/>
           <p:cNvPicPr>
             <a:picLocks noChangeAspect="1"/>
           </p:cNvPicPr>
@@ -15309,7 +15309,7 @@
       </p:pic>
       <p:sp>
         <p:nvSpPr>
-          <p:cNvPr id="1026911923" name="TextBox 38"/>
+          <p:cNvPr id="798640533" name="TextBox 38"/>
           <p:cNvSpPr txBox="1"/>
           <p:nvPr/>
         </p:nvSpPr>
@@ -15376,7 +15376,7 @@
       </p:sp>
       <p:sp>
         <p:nvSpPr>
-          <p:cNvPr id="1849095021" name="Rounded Rectangle 39"/>
+          <p:cNvPr id="434385034" name="Rounded Rectangle 39"/>
           <p:cNvSpPr/>
           <p:nvPr/>
         </p:nvSpPr>
@@ -15426,7 +15426,7 @@
       </p:sp>
       <p:sp>
         <p:nvSpPr>
-          <p:cNvPr id="772197198" name="Rounded Rectangle 40"/>
+          <p:cNvPr id="248949992" name="Rounded Rectangle 40"/>
           <p:cNvSpPr/>
           <p:nvPr/>
         </p:nvSpPr>
@@ -15476,7 +15476,7 @@
       </p:sp>
       <p:pic>
         <p:nvPicPr>
-          <p:cNvPr id="1112251042" name="Picture 41" descr="image.png"/>
+          <p:cNvPr id="1357816489" name="Picture 41" descr="image.png"/>
           <p:cNvPicPr>
             <a:picLocks noChangeAspect="1"/>
           </p:cNvPicPr>
@@ -15500,7 +15500,7 @@
       </p:pic>
       <p:sp>
         <p:nvSpPr>
-          <p:cNvPr id="1457366591" name="TextBox 42"/>
+          <p:cNvPr id="300405892" name="TextBox 42"/>
           <p:cNvSpPr txBox="1"/>
           <p:nvPr/>
         </p:nvSpPr>
@@ -15543,7 +15543,7 @@
       </p:sp>
       <p:sp>
         <p:nvSpPr>
-          <p:cNvPr id="784888202" name="TextBox 43"/>
+          <p:cNvPr id="1754457324" name="TextBox 43"/>
           <p:cNvSpPr txBox="1"/>
           <p:nvPr/>
         </p:nvSpPr>
@@ -15589,7 +15589,7 @@
       </p:sp>
       <p:pic>
         <p:nvPicPr>
-          <p:cNvPr id="1128741835" name="Picture 44" descr="image.png"/>
+          <p:cNvPr id="185511708" name="Picture 44" descr="image.png"/>
           <p:cNvPicPr>
             <a:picLocks noChangeAspect="1"/>
           </p:cNvPicPr>
@@ -15613,7 +15613,7 @@
       </p:pic>
       <p:sp>
         <p:nvSpPr>
-          <p:cNvPr id="1596094712" name="TextBox 45"/>
+          <p:cNvPr id="828671172" name="TextBox 45"/>
           <p:cNvSpPr txBox="1"/>
           <p:nvPr/>
         </p:nvSpPr>
@@ -15664,7 +15664,7 @@
       </p:sp>
       <p:pic>
         <p:nvPicPr>
-          <p:cNvPr id="1327690906" name="Picture 46" descr="image.png"/>
+          <p:cNvPr id="1705198012" name="Picture 46" descr="image.png"/>
           <p:cNvPicPr>
             <a:picLocks noChangeAspect="1"/>
           </p:cNvPicPr>
@@ -15688,7 +15688,7 @@
       </p:pic>
       <p:sp>
         <p:nvSpPr>
-          <p:cNvPr id="1922710097" name="TextBox 47"/>
+          <p:cNvPr id="878216739" name="TextBox 47"/>
           <p:cNvSpPr txBox="1"/>
           <p:nvPr/>
         </p:nvSpPr>
@@ -15739,7 +15739,7 @@
       </p:sp>
       <p:pic>
         <p:nvPicPr>
-          <p:cNvPr id="2144649158" name="Picture 48" descr="image.png"/>
+          <p:cNvPr id="142755941" name="Picture 48" descr="image.png"/>
           <p:cNvPicPr>
             <a:picLocks noChangeAspect="1"/>
           </p:cNvPicPr>
@@ -15763,7 +15763,7 @@
       </p:pic>
       <p:sp>
         <p:nvSpPr>
-          <p:cNvPr id="34740608" name="TextBox 49"/>
+          <p:cNvPr id="1520580879" name="TextBox 49"/>
           <p:cNvSpPr txBox="1"/>
           <p:nvPr/>
         </p:nvSpPr>
@@ -15814,7 +15814,7 @@
       </p:sp>
       <p:sp>
         <p:nvSpPr>
-          <p:cNvPr id="394583973" name="Rounded Rectangle 50"/>
+          <p:cNvPr id="46700361" name="Rounded Rectangle 50"/>
           <p:cNvSpPr/>
           <p:nvPr/>
         </p:nvSpPr>
@@ -15864,7 +15864,7 @@
       </p:sp>
       <p:sp>
         <p:nvSpPr>
-          <p:cNvPr id="1542865004" name="TextBox 51"/>
+          <p:cNvPr id="1876425334" name="TextBox 51"/>
           <p:cNvSpPr txBox="1"/>
           <p:nvPr/>
         </p:nvSpPr>
@@ -16127,13 +16127,13 @@
       </p:grpSpPr>
       <p:sp>
         <p:nvSpPr>
-          <p:cNvPr id="1346284221" name="TextBox 1"/>
+          <p:cNvPr id="1553576737" name="TextBox 1"/>
           <p:cNvSpPr txBox="1"/>
           <p:nvPr/>
         </p:nvSpPr>
         <p:spPr bwMode="auto">
           <a:xfrm>
-            <a:off x="666732" y="95248"/>
+            <a:off x="666732" y="95247"/>
             <a:ext cx="10858228" cy="476249"/>
           </a:xfrm>
           <a:prstGeom prst="rect">
@@ -16170,7 +16170,7 @@
       </p:sp>
       <p:sp>
         <p:nvSpPr>
-          <p:cNvPr id="1119859176" name="Rectangle 2"/>
+          <p:cNvPr id="9842558" name="Rectangle 2"/>
           <p:cNvSpPr/>
           <p:nvPr/>
         </p:nvSpPr>
@@ -16216,13 +16216,13 @@
       </p:sp>
       <p:sp>
         <p:nvSpPr>
-          <p:cNvPr id="1540640968" name="Rounded Rectangle 3"/>
+          <p:cNvPr id="1848371679" name="Rounded Rectangle 3"/>
           <p:cNvSpPr/>
           <p:nvPr/>
         </p:nvSpPr>
         <p:spPr bwMode="auto">
           <a:xfrm>
-            <a:off x="666732" y="981074"/>
+            <a:off x="666732" y="981073"/>
             <a:ext cx="6343490" cy="2847974"/>
           </a:xfrm>
           <a:prstGeom prst="roundRect">
@@ -16266,7 +16266,7 @@
       </p:sp>
       <p:sp>
         <p:nvSpPr>
-          <p:cNvPr id="1257507550" name="TextBox 4"/>
+          <p:cNvPr id="1636716733" name="TextBox 4"/>
           <p:cNvSpPr txBox="1"/>
           <p:nvPr/>
         </p:nvSpPr>
@@ -16321,7 +16321,7 @@
       </p:sp>
       <p:pic>
         <p:nvPicPr>
-          <p:cNvPr id="1559165434" name="Picture 5" descr="image.png"/>
+          <p:cNvPr id="537278995" name="Picture 5" descr="image.png"/>
           <p:cNvPicPr>
             <a:picLocks noChangeAspect="1"/>
           </p:cNvPicPr>
@@ -16345,7 +16345,7 @@
       </p:pic>
       <p:pic>
         <p:nvPicPr>
-          <p:cNvPr id="914254333" name="Picture 6" descr="image.png"/>
+          <p:cNvPr id="1689460905" name="Picture 6" descr="image.png"/>
           <p:cNvPicPr>
             <a:picLocks noChangeAspect="1"/>
           </p:cNvPicPr>
@@ -16369,7 +16369,7 @@
       </p:pic>
       <p:sp>
         <p:nvSpPr>
-          <p:cNvPr id="798606945" name="TextBox 7"/>
+          <p:cNvPr id="1757930708" name="TextBox 7"/>
           <p:cNvSpPr txBox="1"/>
           <p:nvPr/>
         </p:nvSpPr>
@@ -16458,7 +16458,7 @@
       </p:sp>
       <p:pic>
         <p:nvPicPr>
-          <p:cNvPr id="1415521559" name="Picture 8" descr="image.png"/>
+          <p:cNvPr id="797612184" name="Picture 8" descr="image.png"/>
           <p:cNvPicPr>
             <a:picLocks noChangeAspect="1"/>
           </p:cNvPicPr>
@@ -16482,7 +16482,7 @@
       </p:pic>
       <p:sp>
         <p:nvSpPr>
-          <p:cNvPr id="1680436998" name="TextBox 9"/>
+          <p:cNvPr id="128264944" name="TextBox 9"/>
           <p:cNvSpPr txBox="1"/>
           <p:nvPr/>
         </p:nvSpPr>
@@ -16544,7 +16544,7 @@
       </p:sp>
       <p:pic>
         <p:nvPicPr>
-          <p:cNvPr id="1020797785" name="Picture 10" descr="image.png"/>
+          <p:cNvPr id="140409825" name="Picture 10" descr="image.png"/>
           <p:cNvPicPr>
             <a:picLocks noChangeAspect="1"/>
           </p:cNvPicPr>
@@ -16568,7 +16568,7 @@
       </p:pic>
       <p:sp>
         <p:nvSpPr>
-          <p:cNvPr id="31366511" name="TextBox 11"/>
+          <p:cNvPr id="45716178" name="TextBox 11"/>
           <p:cNvSpPr txBox="1"/>
           <p:nvPr/>
         </p:nvSpPr>
@@ -16630,7 +16630,7 @@
       </p:sp>
       <p:sp>
         <p:nvSpPr>
-          <p:cNvPr id="1104148110" name="Rounded Rectangle 12"/>
+          <p:cNvPr id="1365453499" name="Rounded Rectangle 12"/>
           <p:cNvSpPr/>
           <p:nvPr/>
         </p:nvSpPr>
@@ -16680,7 +16680,7 @@
       </p:sp>
       <p:sp>
         <p:nvSpPr>
-          <p:cNvPr id="1511370899" name="TextBox 13"/>
+          <p:cNvPr id="55579716" name="TextBox 13"/>
           <p:cNvSpPr txBox="1"/>
           <p:nvPr/>
         </p:nvSpPr>
@@ -16735,7 +16735,7 @@
       </p:sp>
       <p:pic>
         <p:nvPicPr>
-          <p:cNvPr id="676484146" name="Picture 14" descr="image.png"/>
+          <p:cNvPr id="440139874" name="Picture 14" descr="image.png"/>
           <p:cNvPicPr>
             <a:picLocks noChangeAspect="1"/>
           </p:cNvPicPr>
@@ -16759,7 +16759,7 @@
       </p:pic>
       <p:pic>
         <p:nvPicPr>
-          <p:cNvPr id="53399689" name="Picture 15" descr="image.png"/>
+          <p:cNvPr id="1264199962" name="Picture 15" descr="image.png"/>
           <p:cNvPicPr>
             <a:picLocks noChangeAspect="1"/>
           </p:cNvPicPr>
@@ -16783,7 +16783,7 @@
       </p:pic>
       <p:sp>
         <p:nvSpPr>
-          <p:cNvPr id="992762594" name="TextBox 16"/>
+          <p:cNvPr id="503501349" name="TextBox 16"/>
           <p:cNvSpPr txBox="1"/>
           <p:nvPr/>
         </p:nvSpPr>
@@ -16837,7 +16837,7 @@
       </p:sp>
       <p:pic>
         <p:nvPicPr>
-          <p:cNvPr id="1682100487" name="Picture 17" descr="image.png"/>
+          <p:cNvPr id="1788270899" name="Picture 17" descr="image.png"/>
           <p:cNvPicPr>
             <a:picLocks noChangeAspect="1"/>
           </p:cNvPicPr>
@@ -16861,7 +16861,7 @@
       </p:pic>
       <p:sp>
         <p:nvSpPr>
-          <p:cNvPr id="539155866" name="TextBox 18"/>
+          <p:cNvPr id="1627435887" name="TextBox 18"/>
           <p:cNvSpPr txBox="1"/>
           <p:nvPr/>
         </p:nvSpPr>
@@ -16923,7 +16923,7 @@
       </p:sp>
       <p:pic>
         <p:nvPicPr>
-          <p:cNvPr id="877027560" name="Picture 19" descr="image.png"/>
+          <p:cNvPr id="1679800967" name="Picture 19" descr="image.png"/>
           <p:cNvPicPr>
             <a:picLocks noChangeAspect="1"/>
           </p:cNvPicPr>
@@ -16947,7 +16947,7 @@
       </p:pic>
       <p:sp>
         <p:nvSpPr>
-          <p:cNvPr id="84257175" name="TextBox 20"/>
+          <p:cNvPr id="1913317244" name="TextBox 20"/>
           <p:cNvSpPr txBox="1"/>
           <p:nvPr/>
         </p:nvSpPr>
@@ -17001,7 +17001,7 @@
       </p:sp>
       <p:sp>
         <p:nvSpPr>
-          <p:cNvPr id="668238552" name="Rounded Rectangle 21"/>
+          <p:cNvPr id="1049897617" name="Rounded Rectangle 21"/>
           <p:cNvSpPr/>
           <p:nvPr/>
         </p:nvSpPr>
@@ -17051,7 +17051,7 @@
       </p:sp>
       <p:sp>
         <p:nvSpPr>
-          <p:cNvPr id="2140538816" name="TextBox 22"/>
+          <p:cNvPr id="326492244" name="TextBox 22"/>
           <p:cNvSpPr txBox="1"/>
           <p:nvPr/>
         </p:nvSpPr>
@@ -17106,7 +17106,7 @@
       </p:sp>
       <p:pic>
         <p:nvPicPr>
-          <p:cNvPr id="1898867512" name="Picture 23" descr="image.png"/>
+          <p:cNvPr id="978376439" name="Picture 23" descr="image.png"/>
           <p:cNvPicPr>
             <a:picLocks noChangeAspect="1"/>
           </p:cNvPicPr>
@@ -17130,7 +17130,7 @@
       </p:pic>
       <p:sp>
         <p:nvSpPr>
-          <p:cNvPr id="1890467474" name="Rounded Rectangle 24"/>
+          <p:cNvPr id="901082976" name="Rounded Rectangle 24"/>
           <p:cNvSpPr/>
           <p:nvPr/>
         </p:nvSpPr>
@@ -17180,7 +17180,7 @@
       </p:sp>
       <p:pic>
         <p:nvPicPr>
-          <p:cNvPr id="536818418" name="Picture 25" descr="image.png"/>
+          <p:cNvPr id="1624613123" name="Picture 25" descr="image.png"/>
           <p:cNvPicPr>
             <a:picLocks noChangeAspect="1"/>
           </p:cNvPicPr>
@@ -17204,7 +17204,7 @@
       </p:pic>
       <p:sp>
         <p:nvSpPr>
-          <p:cNvPr id="1661876417" name="TextBox 26"/>
+          <p:cNvPr id="1026718470" name="TextBox 26"/>
           <p:cNvSpPr txBox="1"/>
           <p:nvPr/>
         </p:nvSpPr>
@@ -17247,7 +17247,7 @@
       </p:sp>
       <p:sp>
         <p:nvSpPr>
-          <p:cNvPr id="947743755" name="Rounded Rectangle 27"/>
+          <p:cNvPr id="612470324" name="Rounded Rectangle 27"/>
           <p:cNvSpPr/>
           <p:nvPr/>
         </p:nvSpPr>
@@ -17297,7 +17297,7 @@
       </p:sp>
       <p:pic>
         <p:nvPicPr>
-          <p:cNvPr id="1473409999" name="Picture 28" descr="image.png"/>
+          <p:cNvPr id="1928355852" name="Picture 28" descr="image.png"/>
           <p:cNvPicPr>
             <a:picLocks noChangeAspect="1"/>
           </p:cNvPicPr>
@@ -17321,7 +17321,7 @@
       </p:pic>
       <p:sp>
         <p:nvSpPr>
-          <p:cNvPr id="1869238788" name="TextBox 29"/>
+          <p:cNvPr id="1345451855" name="TextBox 29"/>
           <p:cNvSpPr txBox="1"/>
           <p:nvPr/>
         </p:nvSpPr>
@@ -17364,7 +17364,7 @@
       </p:sp>
       <p:sp>
         <p:nvSpPr>
-          <p:cNvPr id="1673472560" name="Rounded Rectangle 30"/>
+          <p:cNvPr id="158752427" name="Rounded Rectangle 30"/>
           <p:cNvSpPr/>
           <p:nvPr/>
         </p:nvSpPr>
@@ -17414,7 +17414,7 @@
       </p:sp>
       <p:pic>
         <p:nvPicPr>
-          <p:cNvPr id="1629045899" name="Picture 31" descr="image.png"/>
+          <p:cNvPr id="707130557" name="Picture 31" descr="image.png"/>
           <p:cNvPicPr>
             <a:picLocks noChangeAspect="1"/>
           </p:cNvPicPr>
@@ -17438,7 +17438,7 @@
       </p:pic>
       <p:sp>
         <p:nvSpPr>
-          <p:cNvPr id="2063490639" name="TextBox 32"/>
+          <p:cNvPr id="2003452546" name="TextBox 32"/>
           <p:cNvSpPr txBox="1"/>
           <p:nvPr/>
         </p:nvSpPr>
@@ -17481,7 +17481,7 @@
       </p:sp>
       <p:sp>
         <p:nvSpPr>
-          <p:cNvPr id="217285452" name="Rounded Rectangle 33"/>
+          <p:cNvPr id="1991470759" name="Rounded Rectangle 33"/>
           <p:cNvSpPr/>
           <p:nvPr/>
         </p:nvSpPr>
@@ -17531,7 +17531,7 @@
       </p:sp>
       <p:pic>
         <p:nvPicPr>
-          <p:cNvPr id="37407176" name="Picture 34" descr="image.png"/>
+          <p:cNvPr id="509290061" name="Picture 34" descr="image.png"/>
           <p:cNvPicPr>
             <a:picLocks noChangeAspect="1"/>
           </p:cNvPicPr>
@@ -17555,7 +17555,7 @@
       </p:pic>
       <p:sp>
         <p:nvSpPr>
-          <p:cNvPr id="1729787260" name="TextBox 35"/>
+          <p:cNvPr id="2034657629" name="TextBox 35"/>
           <p:cNvSpPr txBox="1"/>
           <p:nvPr/>
         </p:nvSpPr>
@@ -17598,7 +17598,7 @@
       </p:sp>
       <p:sp>
         <p:nvSpPr>
-          <p:cNvPr id="41505433" name="Rounded Rectangle 36"/>
+          <p:cNvPr id="1173853998" name="Rounded Rectangle 36"/>
           <p:cNvSpPr/>
           <p:nvPr/>
         </p:nvSpPr>
@@ -17648,7 +17648,7 @@
       </p:sp>
       <p:pic>
         <p:nvPicPr>
-          <p:cNvPr id="444897554" name="Picture 37" descr="image.png"/>
+          <p:cNvPr id="1145130005" name="Picture 37" descr="image.png"/>
           <p:cNvPicPr>
             <a:picLocks noChangeAspect="1"/>
           </p:cNvPicPr>
@@ -17672,7 +17672,7 @@
       </p:pic>
       <p:sp>
         <p:nvSpPr>
-          <p:cNvPr id="1840294364" name="TextBox 38"/>
+          <p:cNvPr id="1521685397" name="TextBox 38"/>
           <p:cNvSpPr txBox="1"/>
           <p:nvPr/>
         </p:nvSpPr>
@@ -17715,7 +17715,7 @@
       </p:sp>
       <p:sp>
         <p:nvSpPr>
-          <p:cNvPr id="1350737427" name="Rounded Rectangle 39"/>
+          <p:cNvPr id="1234149710" name="Rounded Rectangle 39"/>
           <p:cNvSpPr/>
           <p:nvPr/>
         </p:nvSpPr>
@@ -17765,7 +17765,7 @@
       </p:sp>
       <p:pic>
         <p:nvPicPr>
-          <p:cNvPr id="1633219090" name="Picture 40" descr="image.png"/>
+          <p:cNvPr id="804850354" name="Picture 40" descr="image.png"/>
           <p:cNvPicPr>
             <a:picLocks noChangeAspect="1"/>
           </p:cNvPicPr>
@@ -17789,7 +17789,7 @@
       </p:pic>
       <p:sp>
         <p:nvSpPr>
-          <p:cNvPr id="1378788456" name="TextBox 41"/>
+          <p:cNvPr id="2015424204" name="TextBox 41"/>
           <p:cNvSpPr txBox="1"/>
           <p:nvPr/>
         </p:nvSpPr>
@@ -17832,14 +17832,14 @@
       </p:sp>
       <p:sp>
         <p:nvSpPr>
-          <p:cNvPr id="1361238748" name="Rounded Rectangle 42"/>
+          <p:cNvPr id="1710306163" name="Rounded Rectangle 42"/>
           <p:cNvSpPr/>
           <p:nvPr/>
         </p:nvSpPr>
         <p:spPr bwMode="auto">
           <a:xfrm flipH="0" flipV="0">
-            <a:off x="7581717" y="695324"/>
-            <a:ext cx="4228993" cy="3467099"/>
+            <a:off x="7581717" y="695323"/>
+            <a:ext cx="4228993" cy="3467098"/>
           </a:xfrm>
           <a:prstGeom prst="roundRect">
             <a:avLst>
@@ -17882,7 +17882,7 @@
       </p:sp>
       <p:sp>
         <p:nvSpPr>
-          <p:cNvPr id="475697990" name="TextBox 43"/>
+          <p:cNvPr id="562386169" name="TextBox 43"/>
           <p:cNvSpPr txBox="1"/>
           <p:nvPr/>
         </p:nvSpPr>
@@ -17937,7 +17937,7 @@
       </p:sp>
       <p:pic>
         <p:nvPicPr>
-          <p:cNvPr id="2082632294" name="Picture 44" descr="image.png"/>
+          <p:cNvPr id="1886560545" name="Picture 44" descr="image.png"/>
           <p:cNvPicPr>
             <a:picLocks noChangeAspect="1"/>
           </p:cNvPicPr>
@@ -17961,7 +17961,7 @@
       </p:pic>
       <p:sp>
         <p:nvSpPr>
-          <p:cNvPr id="143481032" name="Rounded Rectangle 45"/>
+          <p:cNvPr id="1266207378" name="Rounded Rectangle 45"/>
           <p:cNvSpPr/>
           <p:nvPr/>
         </p:nvSpPr>
@@ -18010,7 +18010,7 @@
       </p:sp>
       <p:sp>
         <p:nvSpPr>
-          <p:cNvPr id="1293966056" name="Rounded Rectangle 46"/>
+          <p:cNvPr id="556363460" name="Rounded Rectangle 46"/>
           <p:cNvSpPr/>
           <p:nvPr/>
         </p:nvSpPr>
@@ -18060,7 +18060,7 @@
       </p:sp>
       <p:sp>
         <p:nvSpPr>
-          <p:cNvPr id="1398857796" name="TextBox 47"/>
+          <p:cNvPr id="219668081" name="TextBox 47"/>
           <p:cNvSpPr txBox="1"/>
           <p:nvPr/>
         </p:nvSpPr>
@@ -18103,7 +18103,7 @@
       </p:sp>
       <p:sp>
         <p:nvSpPr>
-          <p:cNvPr id="1917688125" name="TextBox 48"/>
+          <p:cNvPr id="1881447992" name="TextBox 48"/>
           <p:cNvSpPr txBox="1"/>
           <p:nvPr/>
         </p:nvSpPr>
@@ -18197,13 +18197,13 @@
       </p:grpSpPr>
       <p:sp>
         <p:nvSpPr>
-          <p:cNvPr id="2031426328" name="TextBox 1"/>
+          <p:cNvPr id="536918137" name="TextBox 1"/>
           <p:cNvSpPr txBox="1"/>
           <p:nvPr/>
         </p:nvSpPr>
         <p:spPr bwMode="auto">
           <a:xfrm>
-            <a:off x="666732" y="96168"/>
+            <a:off x="666732" y="96167"/>
             <a:ext cx="606749" cy="475847"/>
           </a:xfrm>
           <a:prstGeom prst="rect">
@@ -18240,7 +18240,7 @@
       </p:sp>
       <p:sp>
         <p:nvSpPr>
-          <p:cNvPr id="235266842" name="Rectangle 2"/>
+          <p:cNvPr id="1658136352" name="Rectangle 2"/>
           <p:cNvSpPr/>
           <p:nvPr/>
         </p:nvSpPr>
@@ -18286,13 +18286,13 @@
       </p:sp>
       <p:sp>
         <p:nvSpPr>
-          <p:cNvPr id="22072668" name="Rounded Rectangle 21"/>
+          <p:cNvPr id="1520467336" name="Rounded Rectangle 21"/>
           <p:cNvSpPr/>
           <p:nvPr/>
         </p:nvSpPr>
         <p:spPr bwMode="auto">
           <a:xfrm>
-            <a:off x="666732" y="2143124"/>
+            <a:off x="666731" y="1217082"/>
             <a:ext cx="6343489" cy="2409824"/>
           </a:xfrm>
           <a:prstGeom prst="roundRect">
@@ -18336,13 +18336,13 @@
       </p:sp>
       <p:sp>
         <p:nvSpPr>
-          <p:cNvPr id="30227986" name="TextBox 22"/>
+          <p:cNvPr id="2110566965" name="TextBox 22"/>
           <p:cNvSpPr txBox="1"/>
           <p:nvPr/>
         </p:nvSpPr>
         <p:spPr bwMode="auto">
           <a:xfrm>
-            <a:off x="904851" y="2381248"/>
+            <a:off x="904851" y="1455206"/>
             <a:ext cx="5867253" cy="295273"/>
           </a:xfrm>
           <a:prstGeom prst="rect">
@@ -18391,7 +18391,7 @@
       </p:sp>
       <p:pic>
         <p:nvPicPr>
-          <p:cNvPr id="775883638" name="Picture 23" descr="image.png"/>
+          <p:cNvPr id="1348509177" name="Picture 23" descr="image.png"/>
           <p:cNvPicPr>
             <a:picLocks noChangeAspect="1"/>
           </p:cNvPicPr>
@@ -18405,8 +18405,8 @@
         </p:blipFill>
         <p:spPr bwMode="auto">
           <a:xfrm>
-            <a:off x="904851" y="2470783"/>
-            <a:ext cx="228593" cy="125728"/>
+            <a:off x="904851" y="1544741"/>
+            <a:ext cx="228593" cy="125727"/>
           </a:xfrm>
           <a:prstGeom prst="rect">
             <a:avLst/>
@@ -18415,13 +18415,13 @@
       </p:pic>
       <p:sp>
         <p:nvSpPr>
-          <p:cNvPr id="1177498247" name="Rounded Rectangle 24"/>
+          <p:cNvPr id="1631012196" name="Rounded Rectangle 24"/>
           <p:cNvSpPr/>
           <p:nvPr/>
         </p:nvSpPr>
         <p:spPr bwMode="auto">
           <a:xfrm>
-            <a:off x="904851" y="3009898"/>
+            <a:off x="904851" y="2083856"/>
             <a:ext cx="1571584" cy="371475"/>
           </a:xfrm>
           <a:prstGeom prst="roundRect">
@@ -18465,7 +18465,7 @@
       </p:sp>
       <p:pic>
         <p:nvPicPr>
-          <p:cNvPr id="144278693" name="Picture 25" descr="image.png"/>
+          <p:cNvPr id="118360154" name="Picture 25" descr="image.png"/>
           <p:cNvPicPr>
             <a:picLocks noChangeAspect="1"/>
           </p:cNvPicPr>
@@ -18479,7 +18479,7 @@
         </p:blipFill>
         <p:spPr bwMode="auto">
           <a:xfrm>
-            <a:off x="1047722" y="3128654"/>
+            <a:off x="1047721" y="2202612"/>
             <a:ext cx="171444" cy="124438"/>
           </a:xfrm>
           <a:prstGeom prst="rect">
@@ -18489,13 +18489,13 @@
       </p:pic>
       <p:sp>
         <p:nvSpPr>
-          <p:cNvPr id="1152793725" name="TextBox 26"/>
+          <p:cNvPr id="48845544" name="TextBox 26"/>
           <p:cNvSpPr txBox="1"/>
           <p:nvPr/>
         </p:nvSpPr>
         <p:spPr bwMode="auto">
           <a:xfrm>
-            <a:off x="1266792" y="3086099"/>
+            <a:off x="1266791" y="2160057"/>
             <a:ext cx="1066772" cy="219073"/>
           </a:xfrm>
           <a:prstGeom prst="rect">
@@ -18532,13 +18532,13 @@
       </p:sp>
       <p:sp>
         <p:nvSpPr>
-          <p:cNvPr id="1063508473" name="Rounded Rectangle 27"/>
+          <p:cNvPr id="338907489" name="Rounded Rectangle 27"/>
           <p:cNvSpPr/>
           <p:nvPr/>
         </p:nvSpPr>
         <p:spPr bwMode="auto">
           <a:xfrm>
-            <a:off x="2571684" y="3009898"/>
+            <a:off x="2571683" y="2083856"/>
             <a:ext cx="1781129" cy="371475"/>
           </a:xfrm>
           <a:prstGeom prst="roundRect">
@@ -18582,7 +18582,7 @@
       </p:sp>
       <p:pic>
         <p:nvPicPr>
-          <p:cNvPr id="306811176" name="Picture 28" descr="image.png"/>
+          <p:cNvPr id="1020537695" name="Picture 28" descr="image.png"/>
           <p:cNvPicPr>
             <a:picLocks noChangeAspect="1"/>
           </p:cNvPicPr>
@@ -18596,7 +18596,7 @@
         </p:blipFill>
         <p:spPr bwMode="auto">
           <a:xfrm>
-            <a:off x="2714556" y="3121740"/>
+            <a:off x="2714555" y="2195698"/>
             <a:ext cx="171444" cy="138265"/>
           </a:xfrm>
           <a:prstGeom prst="rect">
@@ -18606,13 +18606,13 @@
       </p:pic>
       <p:sp>
         <p:nvSpPr>
-          <p:cNvPr id="1112806422" name="TextBox 29"/>
+          <p:cNvPr id="1176705605" name="TextBox 29"/>
           <p:cNvSpPr txBox="1"/>
           <p:nvPr/>
         </p:nvSpPr>
         <p:spPr bwMode="auto">
           <a:xfrm>
-            <a:off x="2933625" y="3086099"/>
+            <a:off x="2933624" y="2160057"/>
             <a:ext cx="1276317" cy="219073"/>
           </a:xfrm>
           <a:prstGeom prst="rect">
@@ -18649,13 +18649,13 @@
       </p:sp>
       <p:sp>
         <p:nvSpPr>
-          <p:cNvPr id="1943364173" name="Rounded Rectangle 30"/>
+          <p:cNvPr id="794189177" name="Rounded Rectangle 30"/>
           <p:cNvSpPr/>
           <p:nvPr/>
         </p:nvSpPr>
         <p:spPr bwMode="auto">
           <a:xfrm>
-            <a:off x="4438539" y="3009898"/>
+            <a:off x="4438539" y="2083856"/>
             <a:ext cx="1762079" cy="371475"/>
           </a:xfrm>
           <a:prstGeom prst="roundRect">
@@ -18699,7 +18699,7 @@
       </p:sp>
       <p:pic>
         <p:nvPicPr>
-          <p:cNvPr id="284021634" name="Picture 31" descr="image.png"/>
+          <p:cNvPr id="1924396789" name="Picture 31" descr="image.png"/>
           <p:cNvPicPr>
             <a:picLocks noChangeAspect="1"/>
           </p:cNvPicPr>
@@ -18713,7 +18713,7 @@
         </p:blipFill>
         <p:spPr bwMode="auto">
           <a:xfrm>
-            <a:off x="4581410" y="3121740"/>
+            <a:off x="4581409" y="2195698"/>
             <a:ext cx="171444" cy="138265"/>
           </a:xfrm>
           <a:prstGeom prst="rect">
@@ -18723,13 +18723,13 @@
       </p:pic>
       <p:sp>
         <p:nvSpPr>
-          <p:cNvPr id="1587107459" name="TextBox 32"/>
+          <p:cNvPr id="1317025180" name="TextBox 32"/>
           <p:cNvSpPr txBox="1"/>
           <p:nvPr/>
         </p:nvSpPr>
         <p:spPr bwMode="auto">
           <a:xfrm>
-            <a:off x="4800479" y="3086099"/>
+            <a:off x="4800478" y="2160057"/>
             <a:ext cx="1257267" cy="219073"/>
           </a:xfrm>
           <a:prstGeom prst="rect">
@@ -18766,13 +18766,13 @@
       </p:sp>
       <p:sp>
         <p:nvSpPr>
-          <p:cNvPr id="812529869" name="Rounded Rectangle 33"/>
+          <p:cNvPr id="105028152" name="Rounded Rectangle 33"/>
           <p:cNvSpPr/>
           <p:nvPr/>
         </p:nvSpPr>
         <p:spPr bwMode="auto">
           <a:xfrm>
-            <a:off x="904851" y="3476623"/>
+            <a:off x="904851" y="2550581"/>
             <a:ext cx="2047822" cy="371475"/>
           </a:xfrm>
           <a:prstGeom prst="roundRect">
@@ -18816,7 +18816,7 @@
       </p:sp>
       <p:pic>
         <p:nvPicPr>
-          <p:cNvPr id="106243569" name="Picture 34" descr="image.png"/>
+          <p:cNvPr id="1853183112" name="Picture 34" descr="image.png"/>
           <p:cNvPicPr>
             <a:picLocks noChangeAspect="1"/>
           </p:cNvPicPr>
@@ -18830,7 +18830,7 @@
         </p:blipFill>
         <p:spPr bwMode="auto">
           <a:xfrm>
-            <a:off x="1047722" y="3597990"/>
+            <a:off x="1047721" y="2671948"/>
             <a:ext cx="171444" cy="138265"/>
           </a:xfrm>
           <a:prstGeom prst="rect">
@@ -18840,13 +18840,13 @@
       </p:pic>
       <p:sp>
         <p:nvSpPr>
-          <p:cNvPr id="285700849" name="TextBox 35"/>
+          <p:cNvPr id="1221074780" name="TextBox 35"/>
           <p:cNvSpPr txBox="1"/>
           <p:nvPr/>
         </p:nvSpPr>
         <p:spPr bwMode="auto">
           <a:xfrm>
-            <a:off x="1266792" y="3552824"/>
+            <a:off x="1266791" y="2626782"/>
             <a:ext cx="1543009" cy="219073"/>
           </a:xfrm>
           <a:prstGeom prst="rect">
@@ -18883,13 +18883,13 @@
       </p:sp>
       <p:sp>
         <p:nvSpPr>
-          <p:cNvPr id="1695936467" name="Rounded Rectangle 36"/>
+          <p:cNvPr id="1034810269" name="Rounded Rectangle 36"/>
           <p:cNvSpPr/>
           <p:nvPr/>
         </p:nvSpPr>
         <p:spPr bwMode="auto">
           <a:xfrm>
-            <a:off x="3047922" y="3476623"/>
+            <a:off x="3047922" y="2550581"/>
             <a:ext cx="1904951" cy="371475"/>
           </a:xfrm>
           <a:prstGeom prst="roundRect">
@@ -18933,7 +18933,7 @@
       </p:sp>
       <p:pic>
         <p:nvPicPr>
-          <p:cNvPr id="1306537573" name="Picture 37" descr="image.png"/>
+          <p:cNvPr id="619174514" name="Picture 37" descr="image.png"/>
           <p:cNvPicPr>
             <a:picLocks noChangeAspect="1"/>
           </p:cNvPicPr>
@@ -18947,7 +18947,7 @@
         </p:blipFill>
         <p:spPr bwMode="auto">
           <a:xfrm>
-            <a:off x="3190794" y="3592460"/>
+            <a:off x="3190793" y="2666418"/>
             <a:ext cx="171444" cy="149326"/>
           </a:xfrm>
           <a:prstGeom prst="rect">
@@ -18957,13 +18957,13 @@
       </p:pic>
       <p:sp>
         <p:nvSpPr>
-          <p:cNvPr id="887504662" name="TextBox 38"/>
+          <p:cNvPr id="823064575" name="TextBox 38"/>
           <p:cNvSpPr txBox="1"/>
           <p:nvPr/>
         </p:nvSpPr>
         <p:spPr bwMode="auto">
           <a:xfrm>
-            <a:off x="3409863" y="3552824"/>
+            <a:off x="3409862" y="2626782"/>
             <a:ext cx="1400139" cy="219073"/>
           </a:xfrm>
           <a:prstGeom prst="rect">
@@ -19000,13 +19000,13 @@
       </p:sp>
       <p:sp>
         <p:nvSpPr>
-          <p:cNvPr id="1066481687" name="Rounded Rectangle 39"/>
+          <p:cNvPr id="1793281645" name="Rounded Rectangle 39"/>
           <p:cNvSpPr/>
           <p:nvPr/>
         </p:nvSpPr>
         <p:spPr bwMode="auto">
           <a:xfrm>
-            <a:off x="904851" y="3943349"/>
+            <a:off x="904851" y="3017307"/>
             <a:ext cx="2552635" cy="371475"/>
           </a:xfrm>
           <a:prstGeom prst="roundRect">
@@ -19050,7 +19050,7 @@
       </p:sp>
       <p:pic>
         <p:nvPicPr>
-          <p:cNvPr id="231127587" name="Picture 40" descr="image.png"/>
+          <p:cNvPr id="928461099" name="Picture 40" descr="image.png"/>
           <p:cNvPicPr>
             <a:picLocks noChangeAspect="1"/>
           </p:cNvPicPr>
@@ -19064,7 +19064,7 @@
         </p:blipFill>
         <p:spPr bwMode="auto">
           <a:xfrm>
-            <a:off x="1047722" y="4046894"/>
+            <a:off x="1047721" y="3120852"/>
             <a:ext cx="171444" cy="154857"/>
           </a:xfrm>
           <a:prstGeom prst="rect">
@@ -19074,13 +19074,13 @@
       </p:pic>
       <p:sp>
         <p:nvSpPr>
-          <p:cNvPr id="1620571654" name="TextBox 41"/>
+          <p:cNvPr id="445225110" name="TextBox 41"/>
           <p:cNvSpPr txBox="1"/>
           <p:nvPr/>
         </p:nvSpPr>
         <p:spPr bwMode="auto">
           <a:xfrm>
-            <a:off x="1266792" y="4019548"/>
+            <a:off x="1266791" y="3093506"/>
             <a:ext cx="2047822" cy="219073"/>
           </a:xfrm>
           <a:prstGeom prst="rect">
@@ -19117,13 +19117,13 @@
       </p:sp>
       <p:sp>
         <p:nvSpPr>
-          <p:cNvPr id="878018127" name="Rounded Rectangle 46"/>
+          <p:cNvPr id="1128460463" name="Rounded Rectangle 46"/>
           <p:cNvSpPr/>
           <p:nvPr/>
         </p:nvSpPr>
         <p:spPr bwMode="auto">
           <a:xfrm>
-            <a:off x="7295967" y="2505073"/>
+            <a:off x="7295967" y="1579031"/>
             <a:ext cx="4228993" cy="1762124"/>
           </a:xfrm>
           <a:prstGeom prst="roundRect">
@@ -19167,13 +19167,13 @@
       </p:sp>
       <p:sp>
         <p:nvSpPr>
-          <p:cNvPr id="1888538418" name="TextBox 47"/>
+          <p:cNvPr id="1504596177" name="TextBox 47"/>
           <p:cNvSpPr txBox="1"/>
           <p:nvPr/>
         </p:nvSpPr>
         <p:spPr bwMode="auto">
           <a:xfrm>
-            <a:off x="8905651" y="2743199"/>
+            <a:off x="8905650" y="1817157"/>
             <a:ext cx="1009623" cy="342900"/>
           </a:xfrm>
           <a:prstGeom prst="rect">
@@ -19210,13 +19210,13 @@
       </p:sp>
       <p:sp>
         <p:nvSpPr>
-          <p:cNvPr id="402499714" name="TextBox 48"/>
+          <p:cNvPr id="189883814" name="TextBox 48"/>
           <p:cNvSpPr txBox="1"/>
           <p:nvPr/>
         </p:nvSpPr>
         <p:spPr bwMode="auto">
           <a:xfrm>
-            <a:off x="7534085" y="3228974"/>
+            <a:off x="7534084" y="2302932"/>
             <a:ext cx="3752754" cy="800100"/>
           </a:xfrm>
           <a:prstGeom prst="rect">
@@ -19250,6 +19250,233 @@
               </a:rPr>
               <a:t>Esperamos que esta simulación le ayude a comprender mejor los fundamentos de las arquitecturas de computadoras.</a:t>
             </a:r>
+            <a:endParaRPr/>
+          </a:p>
+        </p:txBody>
+      </p:sp>
+      <p:sp>
+        <p:nvSpPr>
+          <p:cNvPr id="2124578285" name="Rounded Rectangle 46"/>
+          <p:cNvSpPr/>
+          <p:nvPr/>
+        </p:nvSpPr>
+        <p:spPr bwMode="auto">
+          <a:xfrm flipH="0" flipV="0">
+            <a:off x="1921056" y="4324236"/>
+            <a:ext cx="2211632" cy="2158054"/>
+          </a:xfrm>
+          <a:prstGeom prst="roundRect">
+            <a:avLst>
+              <a:gd name="adj" fmla="val 12972"/>
+            </a:avLst>
+          </a:prstGeom>
+          <a:solidFill>
+            <a:srgbClr val="64FFDA">
+              <a:alpha val="10000"/>
+            </a:srgbClr>
+          </a:solidFill>
+          <a:ln>
+            <a:noFill/>
+          </a:ln>
+        </p:spPr>
+        <p:style>
+          <a:lnRef idx="1">
+            <a:schemeClr val="accent1"/>
+          </a:lnRef>
+          <a:fillRef idx="3">
+            <a:schemeClr val="accent1"/>
+          </a:fillRef>
+          <a:effectRef idx="2">
+            <a:schemeClr val="accent1"/>
+          </a:effectRef>
+          <a:fontRef idx="minor">
+            <a:schemeClr val="lt1"/>
+          </a:fontRef>
+        </p:style>
+        <p:txBody>
+          <a:bodyPr rtlCol="0" anchor="ctr"/>
+          <a:lstStyle/>
+          <a:p>
+            <a:pPr algn="ctr">
+              <a:defRPr/>
+            </a:pPr>
+            <a:endParaRPr/>
+          </a:p>
+        </p:txBody>
+      </p:sp>
+      <p:pic>
+        <p:nvPicPr>
+          <p:cNvPr id="995811546" name=""/>
+          <p:cNvPicPr>
+            <a:picLocks noChangeAspect="1"/>
+          </p:cNvPicPr>
+          <p:nvPr/>
+        </p:nvPicPr>
+        <p:blipFill>
+          <a:blip r:embed="rId10">
+            <a:extLst>
+              <a:ext uri="{96DAC541-7B7A-43D3-8B79-37D633B846F1}">
+                <asvg:svgBlip xmlns:asvg="http://schemas.microsoft.com/office/drawing/2016/SVG/main" r:embed="rId11"/>
+              </a:ext>
+            </a:extLst>
+          </a:blip>
+          <a:stretch/>
+        </p:blipFill>
+        <p:spPr bwMode="auto">
+          <a:xfrm>
+            <a:off x="2126872" y="4509555"/>
+            <a:ext cx="1800000" cy="1800000"/>
+          </a:xfrm>
+          <a:prstGeom prst="rect">
+            <a:avLst/>
+          </a:prstGeom>
+        </p:spPr>
+      </p:pic>
+      <p:sp>
+        <p:nvSpPr>
+          <p:cNvPr id="640309447" name="TextBox 22"/>
+          <p:cNvSpPr txBox="1"/>
+          <p:nvPr/>
+        </p:nvSpPr>
+        <p:spPr bwMode="auto">
+          <a:xfrm>
+            <a:off x="4285167" y="5078487"/>
+            <a:ext cx="5066472" cy="331067"/>
+          </a:xfrm>
+          <a:prstGeom prst="rect">
+            <a:avLst/>
+          </a:prstGeom>
+          <a:noFill/>
+        </p:spPr>
+        <p:txBody>
+          <a:bodyPr wrap="none" lIns="73152" tIns="54864" rIns="73152" bIns="54864" anchor="ctr">
+            <a:spAutoFit/>
+          </a:bodyPr>
+          <a:lstStyle/>
+          <a:p>
+            <a:pPr algn="l">
+              <a:spcBef>
+                <a:spcPts val="0"/>
+              </a:spcBef>
+              <a:spcAft>
+                <a:spcPts val="1298"/>
+              </a:spcAft>
+              <a:defRPr/>
+            </a:pPr>
+            <a:r>
+              <a:rPr lang="es-ES" sz="1450" b="1">
+                <a:solidFill>
+                  <a:srgbClr val="64FFDA"/>
+                </a:solidFill>
+              </a:rPr>
+              <a:t>Enlace directo al repositorio en GitHub con el código actualizado</a:t>
+            </a:r>
+            <a:endParaRPr/>
+          </a:p>
+        </p:txBody>
+      </p:sp>
+      <p:sp>
+        <p:nvSpPr>
+          <p:cNvPr id="740568743" name=""/>
+          <p:cNvSpPr txBox="1"/>
+          <p:nvPr/>
+        </p:nvSpPr>
+        <p:spPr bwMode="auto">
+          <a:xfrm rot="0" flipH="0" flipV="0">
+            <a:off x="4238546" y="5362786"/>
+            <a:ext cx="6983214" cy="366119"/>
+          </a:xfrm>
+          <a:prstGeom prst="rect">
+            <a:avLst/>
+          </a:prstGeom>
+          <a:noFill/>
+        </p:spPr>
+        <p:txBody>
+          <a:bodyPr vertOverflow="overflow" horzOverflow="overflow" vert="horz" wrap="square" lIns="91440" tIns="45720" rIns="91440" bIns="45720" numCol="1" spcCol="0" rtlCol="0" fromWordArt="0" anchor="t" anchorCtr="0" forceAA="0" upright="0" compatLnSpc="0">
+            <a:spAutoFit/>
+          </a:bodyPr>
+          <a:p>
+            <a:pPr algn="l">
+              <a:defRPr/>
+            </a:pPr>
+            <a:r>
+              <a:rPr>
+                <a:solidFill>
+                  <a:schemeClr val="bg1"/>
+                </a:solidFill>
+                <a:latin typeface="Arial"/>
+                <a:ea typeface="Arial"/>
+                <a:cs typeface="Arial"/>
+              </a:rPr>
+              <a:t>https://github.com/Zykl0pz/Propuesta_</a:t>
+            </a:r>
+            <a:r>
+              <a:rPr>
+                <a:solidFill>
+                  <a:schemeClr val="bg1"/>
+                </a:solidFill>
+                <a:latin typeface="Arial"/>
+                <a:ea typeface="Arial"/>
+                <a:cs typeface="Arial"/>
+              </a:rPr>
+              <a:t>de_convalidacion_de_AC</a:t>
+            </a:r>
+            <a:endParaRPr>
+              <a:solidFill>
+                <a:schemeClr val="bg1"/>
+              </a:solidFill>
+              <a:latin typeface="Arial"/>
+              <a:cs typeface="Arial"/>
+            </a:endParaRPr>
+          </a:p>
+        </p:txBody>
+      </p:sp>
+      <p:sp>
+        <p:nvSpPr>
+          <p:cNvPr id="2095888741" name="Rounded Rectangle 21"/>
+          <p:cNvSpPr/>
+          <p:nvPr/>
+        </p:nvSpPr>
+        <p:spPr bwMode="auto">
+          <a:xfrm flipH="0" flipV="0">
+            <a:off x="1751531" y="4101041"/>
+            <a:ext cx="9222075" cy="2566342"/>
+          </a:xfrm>
+          <a:prstGeom prst="roundRect">
+            <a:avLst>
+              <a:gd name="adj" fmla="val 9486"/>
+            </a:avLst>
+          </a:prstGeom>
+          <a:solidFill>
+            <a:srgbClr val="FFFFFF">
+              <a:alpha val="5000"/>
+            </a:srgbClr>
+          </a:solidFill>
+          <a:ln>
+            <a:noFill/>
+          </a:ln>
+        </p:spPr>
+        <p:style>
+          <a:lnRef idx="1">
+            <a:schemeClr val="accent1"/>
+          </a:lnRef>
+          <a:fillRef idx="3">
+            <a:schemeClr val="accent1"/>
+          </a:fillRef>
+          <a:effectRef idx="2">
+            <a:schemeClr val="accent1"/>
+          </a:effectRef>
+          <a:fontRef idx="minor">
+            <a:schemeClr val="lt1"/>
+          </a:fontRef>
+        </p:style>
+        <p:txBody>
+          <a:bodyPr rtlCol="0" anchor="ctr"/>
+          <a:lstStyle/>
+          <a:p>
+            <a:pPr algn="ctr">
+              <a:defRPr/>
+            </a:pPr>
             <a:endParaRPr/>
           </a:p>
         </p:txBody>
